--- a/ppt/设计模式_观察者模式_卢建至.pptx
+++ b/ppt/设计模式_观察者模式_卢建至.pptx
@@ -8,7 +8,7 @@
     <p:notesMasterId r:id="rId4"/>
   </p:notesMasterIdLst>
   <p:handoutMasterIdLst>
-    <p:handoutMasterId r:id="rId10"/>
+    <p:handoutMasterId r:id="rId16"/>
   </p:handoutMasterIdLst>
   <p:sldIdLst>
     <p:sldId id="256" r:id="rId3"/>
@@ -16,7 +16,13 @@
     <p:sldId id="258" r:id="rId6"/>
     <p:sldId id="259" r:id="rId7"/>
     <p:sldId id="260" r:id="rId8"/>
-    <p:sldId id="261" r:id="rId9"/>
+    <p:sldId id="262" r:id="rId9"/>
+    <p:sldId id="263" r:id="rId10"/>
+    <p:sldId id="264" r:id="rId11"/>
+    <p:sldId id="266" r:id="rId12"/>
+    <p:sldId id="267" r:id="rId13"/>
+    <p:sldId id="265" r:id="rId14"/>
+    <p:sldId id="261" r:id="rId15"/>
   </p:sldIdLst>
   <p:sldSz cx="12192000" cy="6858000"/>
   <p:notesSz cx="6858000" cy="9144000"/>
@@ -1428,7 +1434,7 @@
               <a:spcAft>
                 <a:spcPts val="1000"/>
               </a:spcAft>
-              <a:buFont typeface="Arial" panose="020B0604020202020204" pitchFamily="34" charset="0"/>
+              <a:buFont typeface="Arial" panose="02080604020202020204" pitchFamily="34" charset="0"/>
               <a:buChar char="•"/>
               <a:defRPr kumimoji="0" lang="zh-CN" altLang="en-US" sz="1600" b="0" i="0" u="none" strike="noStrike" kern="1200" cap="none" spc="150" normalizeH="0" baseline="0" noProof="1" dirty="0">
                 <a:solidFill>
@@ -1454,7 +1460,7 @@
               <a:spcAft>
                 <a:spcPts val="1000"/>
               </a:spcAft>
-              <a:buFont typeface="Arial" panose="020B0604020202020204" pitchFamily="34" charset="0"/>
+              <a:buFont typeface="Arial" panose="02080604020202020204" pitchFamily="34" charset="0"/>
               <a:buChar char="•"/>
               <a:tabLst>
                 <a:tab pos="1609725" algn="l"/>
@@ -1483,7 +1489,7 @@
               <a:spcAft>
                 <a:spcPts val="1000"/>
               </a:spcAft>
-              <a:buFont typeface="Arial" panose="020B0604020202020204" pitchFamily="34" charset="0"/>
+              <a:buFont typeface="Arial" panose="02080604020202020204" pitchFamily="34" charset="0"/>
               <a:buChar char="•"/>
               <a:defRPr kumimoji="0" lang="zh-CN" altLang="en-US" sz="1600" b="0" i="0" u="none" strike="noStrike" kern="1200" cap="none" spc="150" normalizeH="0" baseline="0" noProof="1" dirty="0">
                 <a:solidFill>
@@ -1509,7 +1515,7 @@
               <a:spcAft>
                 <a:spcPts val="1000"/>
               </a:spcAft>
-              <a:buFont typeface="Arial" panose="020B0604020202020204" pitchFamily="34" charset="0"/>
+              <a:buFont typeface="Arial" panose="02080604020202020204" pitchFamily="34" charset="0"/>
               <a:buChar char="•"/>
               <a:defRPr kumimoji="0" lang="zh-CN" altLang="en-US" sz="1600" b="0" i="0" u="none" strike="noStrike" kern="1200" cap="none" spc="150" normalizeH="0" baseline="0" noProof="1" dirty="0">
                 <a:solidFill>
@@ -1535,7 +1541,7 @@
               <a:spcAft>
                 <a:spcPts val="1000"/>
               </a:spcAft>
-              <a:buFont typeface="Arial" panose="020B0604020202020204" pitchFamily="34" charset="0"/>
+              <a:buFont typeface="Arial" panose="02080604020202020204" pitchFamily="34" charset="0"/>
               <a:buChar char="•"/>
               <a:defRPr kumimoji="0" lang="zh-CN" altLang="en-US" sz="1600" b="0" i="0" u="none" strike="noStrike" kern="1200" cap="none" spc="150" normalizeH="0" baseline="0" noProof="1" dirty="0">
                 <a:solidFill>
@@ -2074,7 +2080,7 @@
               <a:spcAft>
                 <a:spcPts val="1000"/>
               </a:spcAft>
-              <a:buFont typeface="Arial" panose="020B0604020202020204" pitchFamily="34" charset="0"/>
+              <a:buFont typeface="Arial" panose="02080604020202020204" pitchFamily="34" charset="0"/>
               <a:buChar char="•"/>
               <a:defRPr kumimoji="0" lang="zh-CN" altLang="en-US" sz="1600" b="0" i="0" u="none" strike="noStrike" kern="1200" cap="none" spc="150" normalizeH="0" baseline="0" noProof="1" dirty="0">
                 <a:solidFill>
@@ -2100,7 +2106,7 @@
               <a:spcAft>
                 <a:spcPts val="1000"/>
               </a:spcAft>
-              <a:buFont typeface="Arial" panose="020B0604020202020204" pitchFamily="34" charset="0"/>
+              <a:buFont typeface="Arial" panose="02080604020202020204" pitchFamily="34" charset="0"/>
               <a:buChar char="•"/>
               <a:tabLst>
                 <a:tab pos="1609725" algn="l"/>
@@ -2129,7 +2135,7 @@
               <a:spcAft>
                 <a:spcPts val="1000"/>
               </a:spcAft>
-              <a:buFont typeface="Arial" panose="020B0604020202020204" pitchFamily="34" charset="0"/>
+              <a:buFont typeface="Arial" panose="02080604020202020204" pitchFamily="34" charset="0"/>
               <a:buChar char="•"/>
               <a:defRPr kumimoji="0" lang="zh-CN" altLang="en-US" sz="1600" b="0" i="0" u="none" strike="noStrike" kern="1200" cap="none" spc="150" normalizeH="0" baseline="0" noProof="1" dirty="0">
                 <a:solidFill>
@@ -2155,7 +2161,7 @@
               <a:spcAft>
                 <a:spcPts val="1000"/>
               </a:spcAft>
-              <a:buFont typeface="Arial" panose="020B0604020202020204" pitchFamily="34" charset="0"/>
+              <a:buFont typeface="Arial" panose="02080604020202020204" pitchFamily="34" charset="0"/>
               <a:buChar char="•"/>
               <a:defRPr kumimoji="0" lang="zh-CN" altLang="en-US" sz="1600" b="0" i="0" u="none" strike="noStrike" kern="1200" cap="none" spc="150" normalizeH="0" baseline="0" noProof="1" dirty="0">
                 <a:solidFill>
@@ -2181,7 +2187,7 @@
               <a:spcAft>
                 <a:spcPts val="1000"/>
               </a:spcAft>
-              <a:buFont typeface="Arial" panose="020B0604020202020204" pitchFamily="34" charset="0"/>
+              <a:buFont typeface="Arial" panose="02080604020202020204" pitchFamily="34" charset="0"/>
               <a:buChar char="•"/>
               <a:defRPr kumimoji="0" lang="zh-CN" altLang="en-US" sz="1600" b="0" i="0" u="none" strike="noStrike" kern="1200" cap="none" spc="150" normalizeH="0" baseline="0" noProof="1" dirty="0">
                 <a:solidFill>
@@ -2645,7 +2651,7 @@
               <a:spcAft>
                 <a:spcPts val="1000"/>
               </a:spcAft>
-              <a:buFont typeface="Arial" panose="020B0604020202020204" pitchFamily="34" charset="0"/>
+              <a:buFont typeface="Arial" panose="02080604020202020204" pitchFamily="34" charset="0"/>
               <a:buChar char="•"/>
               <a:defRPr kumimoji="0" lang="zh-CN" altLang="en-US" sz="1600" b="0" i="0" u="none" strike="noStrike" kern="1200" cap="none" spc="150" normalizeH="0" baseline="0" noProof="1" dirty="0">
                 <a:solidFill>
@@ -2671,7 +2677,7 @@
               <a:spcAft>
                 <a:spcPts val="1000"/>
               </a:spcAft>
-              <a:buFont typeface="Arial" panose="020B0604020202020204" pitchFamily="34" charset="0"/>
+              <a:buFont typeface="Arial" panose="02080604020202020204" pitchFamily="34" charset="0"/>
               <a:buChar char="•"/>
               <a:tabLst>
                 <a:tab pos="1609725" algn="l"/>
@@ -2700,7 +2706,7 @@
               <a:spcAft>
                 <a:spcPts val="1000"/>
               </a:spcAft>
-              <a:buFont typeface="Arial" panose="020B0604020202020204" pitchFamily="34" charset="0"/>
+              <a:buFont typeface="Arial" panose="02080604020202020204" pitchFamily="34" charset="0"/>
               <a:buChar char="•"/>
               <a:defRPr kumimoji="0" lang="zh-CN" altLang="en-US" sz="1600" b="0" i="0" u="none" strike="noStrike" kern="1200" cap="none" spc="150" normalizeH="0" baseline="0" noProof="1" dirty="0">
                 <a:solidFill>
@@ -2726,7 +2732,7 @@
               <a:spcAft>
                 <a:spcPts val="1000"/>
               </a:spcAft>
-              <a:buFont typeface="Arial" panose="020B0604020202020204" pitchFamily="34" charset="0"/>
+              <a:buFont typeface="Arial" panose="02080604020202020204" pitchFamily="34" charset="0"/>
               <a:buChar char="•"/>
               <a:defRPr kumimoji="0" lang="zh-CN" altLang="en-US" sz="1600" b="0" i="0" u="none" strike="noStrike" kern="1200" cap="none" spc="150" normalizeH="0" baseline="0" noProof="1" dirty="0">
                 <a:solidFill>
@@ -2752,7 +2758,7 @@
               <a:spcAft>
                 <a:spcPts val="1000"/>
               </a:spcAft>
-              <a:buFont typeface="Arial" panose="020B0604020202020204" pitchFamily="34" charset="0"/>
+              <a:buFont typeface="Arial" panose="02080604020202020204" pitchFamily="34" charset="0"/>
               <a:buChar char="•"/>
               <a:defRPr kumimoji="0" lang="zh-CN" altLang="en-US" sz="1600" b="0" i="0" u="none" strike="noStrike" kern="1200" cap="none" spc="150" normalizeH="0" baseline="0" noProof="1" dirty="0">
                 <a:solidFill>
@@ -2865,7 +2871,7 @@
               <a:spcAft>
                 <a:spcPts val="0"/>
               </a:spcAft>
-              <a:buFont typeface="Arial" panose="020B0604020202020204" pitchFamily="34" charset="0"/>
+              <a:buFont typeface="Arial" panose="02080604020202020204" pitchFamily="34" charset="0"/>
               <a:buNone/>
               <a:defRPr kumimoji="0" lang="zh-CN" altLang="en-US" sz="2000" b="1" i="0" u="none" strike="noStrike" kern="1200" cap="none" spc="200" normalizeH="0" baseline="0" noProof="1" dirty="0">
                 <a:solidFill>
@@ -2959,7 +2965,7 @@
               <a:spcAft>
                 <a:spcPts val="1000"/>
               </a:spcAft>
-              <a:buFont typeface="Arial" panose="020B0604020202020204" pitchFamily="34" charset="0"/>
+              <a:buFont typeface="Arial" panose="02080604020202020204" pitchFamily="34" charset="0"/>
               <a:buChar char="•"/>
               <a:defRPr kumimoji="0" lang="zh-CN" altLang="en-US" sz="1600" b="0" i="0" u="none" strike="noStrike" kern="1200" cap="none" spc="150" normalizeH="0" baseline="0" noProof="1" dirty="0">
                 <a:solidFill>
@@ -2985,7 +2991,7 @@
               <a:spcAft>
                 <a:spcPts val="1000"/>
               </a:spcAft>
-              <a:buFont typeface="Arial" panose="020B0604020202020204" pitchFamily="34" charset="0"/>
+              <a:buFont typeface="Arial" panose="02080604020202020204" pitchFamily="34" charset="0"/>
               <a:buChar char="•"/>
               <a:tabLst>
                 <a:tab pos="1609725" algn="l"/>
@@ -3014,7 +3020,7 @@
               <a:spcAft>
                 <a:spcPts val="1000"/>
               </a:spcAft>
-              <a:buFont typeface="Arial" panose="020B0604020202020204" pitchFamily="34" charset="0"/>
+              <a:buFont typeface="Arial" panose="02080604020202020204" pitchFamily="34" charset="0"/>
               <a:buChar char="•"/>
               <a:defRPr kumimoji="0" lang="zh-CN" altLang="en-US" sz="1600" b="0" i="0" u="none" strike="noStrike" kern="1200" cap="none" spc="150" normalizeH="0" baseline="0" noProof="1" dirty="0">
                 <a:solidFill>
@@ -3040,7 +3046,7 @@
               <a:spcAft>
                 <a:spcPts val="1000"/>
               </a:spcAft>
-              <a:buFont typeface="Arial" panose="020B0604020202020204" pitchFamily="34" charset="0"/>
+              <a:buFont typeface="Arial" panose="02080604020202020204" pitchFamily="34" charset="0"/>
               <a:buChar char="•"/>
               <a:defRPr kumimoji="0" lang="zh-CN" altLang="en-US" sz="1600" b="0" i="0" u="none" strike="noStrike" kern="1200" cap="none" spc="150" normalizeH="0" baseline="0" noProof="1" dirty="0">
                 <a:solidFill>
@@ -3066,7 +3072,7 @@
               <a:spcAft>
                 <a:spcPts val="1000"/>
               </a:spcAft>
-              <a:buFont typeface="Arial" panose="020B0604020202020204" pitchFamily="34" charset="0"/>
+              <a:buFont typeface="Arial" panose="02080604020202020204" pitchFamily="34" charset="0"/>
               <a:buChar char="•"/>
               <a:defRPr kumimoji="0" lang="zh-CN" altLang="en-US" sz="1600" b="0" i="0" u="none" strike="noStrike" kern="1200" cap="none" spc="150" normalizeH="0" baseline="0" noProof="1" dirty="0">
                 <a:solidFill>
@@ -3520,7 +3526,7 @@
               <a:spcAft>
                 <a:spcPts val="1000"/>
               </a:spcAft>
-              <a:buFont typeface="Arial" panose="020B0604020202020204" pitchFamily="34" charset="0"/>
+              <a:buFont typeface="Arial" panose="02080604020202020204" pitchFamily="34" charset="0"/>
               <a:buNone/>
               <a:defRPr kumimoji="0" lang="zh-CN" altLang="en-US" sz="1600" b="0" i="0" u="none" strike="noStrike" kern="1200" cap="none" spc="150" normalizeH="0" baseline="0" noProof="1" dirty="0">
                 <a:solidFill>
@@ -3546,7 +3552,7 @@
               <a:spcAft>
                 <a:spcPts val="1000"/>
               </a:spcAft>
-              <a:buFont typeface="Arial" panose="020B0604020202020204" pitchFamily="34" charset="0"/>
+              <a:buFont typeface="Arial" panose="02080604020202020204" pitchFamily="34" charset="0"/>
               <a:buChar char="•"/>
               <a:tabLst>
                 <a:tab pos="1609725" algn="l"/>
@@ -3572,7 +3578,7 @@
               <a:spcAft>
                 <a:spcPts val="1000"/>
               </a:spcAft>
-              <a:buFont typeface="Arial" panose="020B0604020202020204" pitchFamily="34" charset="0"/>
+              <a:buFont typeface="Arial" panose="02080604020202020204" pitchFamily="34" charset="0"/>
               <a:buChar char="•"/>
               <a:defRPr kumimoji="0" lang="zh-CN" altLang="en-US" sz="1600" b="0" i="0" u="none" strike="noStrike" kern="1200" cap="none" spc="150" normalizeH="0" baseline="0" noProof="1" dirty="0">
                 <a:solidFill>
@@ -3595,7 +3601,7 @@
               <a:spcAft>
                 <a:spcPts val="1000"/>
               </a:spcAft>
-              <a:buFont typeface="Arial" panose="020B0604020202020204" pitchFamily="34" charset="0"/>
+              <a:buFont typeface="Arial" panose="02080604020202020204" pitchFamily="34" charset="0"/>
               <a:buChar char="•"/>
               <a:defRPr kumimoji="0" lang="zh-CN" altLang="en-US" sz="1600" b="0" i="0" u="none" strike="noStrike" kern="1200" cap="none" spc="150" normalizeH="0" baseline="0" noProof="1" dirty="0">
                 <a:solidFill>
@@ -3618,7 +3624,7 @@
               <a:spcAft>
                 <a:spcPts val="1000"/>
               </a:spcAft>
-              <a:buFont typeface="Arial" panose="020B0604020202020204" pitchFamily="34" charset="0"/>
+              <a:buFont typeface="Arial" panose="02080604020202020204" pitchFamily="34" charset="0"/>
               <a:buChar char="•"/>
               <a:defRPr kumimoji="0" lang="zh-CN" altLang="en-US" sz="1600" b="0" i="0" u="none" strike="noStrike" kern="1200" cap="none" spc="150" normalizeH="0" baseline="0" noProof="1" dirty="0">
                 <a:solidFill>
@@ -3674,7 +3680,7 @@
               <a:spcAft>
                 <a:spcPts val="1000"/>
               </a:spcAft>
-              <a:buFont typeface="Arial" panose="020B0604020202020204" pitchFamily="34" charset="0"/>
+              <a:buFont typeface="Arial" panose="02080604020202020204" pitchFamily="34" charset="0"/>
               <a:buChar char="•"/>
               <a:defRPr kumimoji="0" lang="zh-CN" altLang="en-US" sz="1600" b="0" i="0" u="none" strike="noStrike" kern="1200" cap="none" spc="150" normalizeH="0" baseline="0" noProof="1" dirty="0">
                 <a:solidFill>
@@ -4086,17 +4092,7 @@
   <p:cSld>
     <p:bg>
       <p:bgPr>
-        <a:gradFill rotWithShape="0">
-          <a:gsLst>
-            <a:gs pos="0">
-              <a:srgbClr val="FFFFFF"/>
-            </a:gs>
-            <a:gs pos="100000">
-              <a:srgbClr val="DCDCDC"/>
-            </a:gs>
-          </a:gsLst>
-          <a:lin ang="5400000" scaled="0"/>
-        </a:gradFill>
+        <a:noFill/>
         <a:effectLst/>
       </p:bgPr>
     </p:bg>
@@ -4443,7 +4439,7 @@
         <a:spcAft>
           <a:spcPts val="1000"/>
         </a:spcAft>
-        <a:buFont typeface="Arial" panose="020B0604020202020204" pitchFamily="34" charset="0"/>
+        <a:buFont typeface="Arial" panose="02080604020202020204" pitchFamily="34" charset="0"/>
         <a:buChar char="•"/>
         <a:defRPr sz="1600" u="none" strike="noStrike" kern="1200" cap="none" spc="150" normalizeH="0" baseline="0">
           <a:solidFill>
@@ -4465,7 +4461,7 @@
         <a:spcAft>
           <a:spcPts val="1000"/>
         </a:spcAft>
-        <a:buFont typeface="Arial" panose="020B0604020202020204" pitchFamily="34" charset="0"/>
+        <a:buFont typeface="Arial" panose="02080604020202020204" pitchFamily="34" charset="0"/>
         <a:buChar char="•"/>
         <a:tabLst>
           <a:tab pos="1609725" algn="l"/>
@@ -4490,7 +4486,7 @@
         <a:spcAft>
           <a:spcPts val="1000"/>
         </a:spcAft>
-        <a:buFont typeface="Arial" panose="020B0604020202020204" pitchFamily="34" charset="0"/>
+        <a:buFont typeface="Arial" panose="02080604020202020204" pitchFamily="34" charset="0"/>
         <a:buChar char="•"/>
         <a:defRPr sz="1600" u="none" strike="noStrike" kern="1200" cap="none" spc="150" normalizeH="0" baseline="0">
           <a:solidFill>
@@ -4512,7 +4508,7 @@
         <a:spcAft>
           <a:spcPts val="1000"/>
         </a:spcAft>
-        <a:buFont typeface="Arial" panose="020B0604020202020204" pitchFamily="34" charset="0"/>
+        <a:buFont typeface="Arial" panose="02080604020202020204" pitchFamily="34" charset="0"/>
         <a:buChar char="•"/>
         <a:defRPr sz="1600" u="none" strike="noStrike" kern="1200" cap="none" spc="150" normalizeH="0" baseline="0">
           <a:solidFill>
@@ -4534,7 +4530,7 @@
         <a:spcAft>
           <a:spcPts val="1000"/>
         </a:spcAft>
-        <a:buFont typeface="Arial" panose="020B0604020202020204" pitchFamily="34" charset="0"/>
+        <a:buFont typeface="Arial" panose="02080604020202020204" pitchFamily="34" charset="0"/>
         <a:buChar char="•"/>
         <a:defRPr sz="1600" u="none" strike="noStrike" kern="1200" cap="none" spc="150" normalizeH="0" baseline="0">
           <a:solidFill>
@@ -4553,7 +4549,7 @@
         <a:spcBef>
           <a:spcPts val="500"/>
         </a:spcBef>
-        <a:buFont typeface="Arial" panose="020B0604020202020204" pitchFamily="34" charset="0"/>
+        <a:buFont typeface="Arial" panose="02080604020202020204" pitchFamily="34" charset="0"/>
         <a:buChar char="•"/>
         <a:defRPr sz="1800" kern="1200">
           <a:solidFill>
@@ -4571,7 +4567,7 @@
         <a:spcBef>
           <a:spcPts val="500"/>
         </a:spcBef>
-        <a:buFont typeface="Arial" panose="020B0604020202020204" pitchFamily="34" charset="0"/>
+        <a:buFont typeface="Arial" panose="02080604020202020204" pitchFamily="34" charset="0"/>
         <a:buChar char="•"/>
         <a:defRPr sz="1800" kern="1200">
           <a:solidFill>
@@ -4589,7 +4585,7 @@
         <a:spcBef>
           <a:spcPts val="500"/>
         </a:spcBef>
-        <a:buFont typeface="Arial" panose="020B0604020202020204" pitchFamily="34" charset="0"/>
+        <a:buFont typeface="Arial" panose="02080604020202020204" pitchFamily="34" charset="0"/>
         <a:buChar char="•"/>
         <a:defRPr sz="1800" kern="1200">
           <a:solidFill>
@@ -4607,7 +4603,7 @@
         <a:spcBef>
           <a:spcPts val="500"/>
         </a:spcBef>
-        <a:buFont typeface="Arial" panose="020B0604020202020204" pitchFamily="34" charset="0"/>
+        <a:buFont typeface="Arial" panose="02080604020202020204" pitchFamily="34" charset="0"/>
         <a:buChar char="•"/>
         <a:defRPr sz="1800" kern="1200">
           <a:solidFill>
@@ -4724,7 +4720,7 @@
     <p:bg>
       <p:bgPr>
         <a:solidFill>
-          <a:srgbClr val="FF0000"/>
+          <a:srgbClr val="FF1A1A"/>
         </a:solidFill>
         <a:effectLst/>
       </p:bgPr>
@@ -4858,15 +4854,178 @@
 </p:sld>
 </file>
 
-<file path=ppt/slides/slide2.xml><?xml version="1.0" encoding="utf-8"?>
+<file path=ppt/slides/slide10.xml><?xml version="1.0" encoding="utf-8"?>
+<p:sld xmlns:a="http://schemas.openxmlformats.org/drawingml/2006/main" xmlns:r="http://schemas.openxmlformats.org/officeDocument/2006/relationships" xmlns:p="http://schemas.openxmlformats.org/presentationml/2006/main">
+  <p:cSld>
+    <p:spTree>
+      <p:nvGrpSpPr>
+        <p:cNvPr id="1" name=""/>
+        <p:cNvGrpSpPr/>
+        <p:nvPr/>
+      </p:nvGrpSpPr>
+      <p:grpSpPr/>
+    </p:spTree>
+  </p:cSld>
+  <p:clrMapOvr>
+    <a:masterClrMapping/>
+  </p:clrMapOvr>
+</p:sld>
+</file>
+
+<file path=ppt/slides/slide11.xml><?xml version="1.0" encoding="utf-8"?>
+<p:sld xmlns:a="http://schemas.openxmlformats.org/drawingml/2006/main" xmlns:r="http://schemas.openxmlformats.org/officeDocument/2006/relationships" xmlns:p="http://schemas.openxmlformats.org/presentationml/2006/main">
+  <p:cSld>
+    <p:spTree>
+      <p:nvGrpSpPr>
+        <p:cNvPr id="1" name=""/>
+        <p:cNvGrpSpPr/>
+        <p:nvPr/>
+      </p:nvGrpSpPr>
+      <p:grpSpPr/>
+    </p:spTree>
+  </p:cSld>
+  <p:clrMapOvr>
+    <a:masterClrMapping/>
+  </p:clrMapOvr>
+</p:sld>
+</file>
+
+<file path=ppt/slides/slide12.xml><?xml version="1.0" encoding="utf-8"?>
 <p:sld xmlns:a="http://schemas.openxmlformats.org/drawingml/2006/main" xmlns:r="http://schemas.openxmlformats.org/officeDocument/2006/relationships" xmlns:p="http://schemas.openxmlformats.org/presentationml/2006/main">
   <p:cSld>
     <p:bg>
       <p:bgPr>
-        <a:noFill/>
+        <a:solidFill>
+          <a:srgbClr val="FF1A1A"/>
+        </a:solidFill>
         <a:effectLst/>
       </p:bgPr>
     </p:bg>
+    <p:spTree>
+      <p:nvGrpSpPr>
+        <p:cNvPr id="1" name=""/>
+        <p:cNvGrpSpPr/>
+        <p:nvPr/>
+      </p:nvGrpSpPr>
+      <p:grpSpPr/>
+      <p:sp>
+        <p:nvSpPr>
+          <p:cNvPr id="2" name="文本框 1"/>
+          <p:cNvSpPr txBox="1"/>
+          <p:nvPr/>
+        </p:nvSpPr>
+        <p:spPr>
+          <a:xfrm>
+            <a:off x="619760" y="5556885"/>
+            <a:ext cx="8061325" cy="922020"/>
+          </a:xfrm>
+          <a:prstGeom prst="rect">
+            <a:avLst/>
+          </a:prstGeom>
+          <a:noFill/>
+        </p:spPr>
+        <p:txBody>
+          <a:bodyPr wrap="square" rtlCol="0">
+            <a:spAutoFit/>
+          </a:bodyPr>
+          <a:p>
+            <a:r>
+              <a:rPr lang="zh-CN" altLang="en-US">
+                <a:solidFill>
+                  <a:schemeClr val="bg1"/>
+                </a:solidFill>
+              </a:rPr>
+              <a:t>参考资料：</a:t>
+            </a:r>
+            <a:endParaRPr lang="zh-CN" altLang="en-US">
+              <a:solidFill>
+                <a:schemeClr val="bg1"/>
+              </a:solidFill>
+            </a:endParaRPr>
+          </a:p>
+          <a:p>
+            <a:r>
+              <a:rPr lang="zh-CN" altLang="en-US">
+                <a:solidFill>
+                  <a:schemeClr val="bg1"/>
+                </a:solidFill>
+              </a:rPr>
+              <a:t>https://www.jianshu.com/p/46f13e4adc32</a:t>
+            </a:r>
+            <a:endParaRPr lang="zh-CN" altLang="en-US">
+              <a:solidFill>
+                <a:schemeClr val="bg1"/>
+              </a:solidFill>
+            </a:endParaRPr>
+          </a:p>
+          <a:p>
+            <a:r>
+              <a:rPr lang="zh-CN" altLang="en-US">
+                <a:solidFill>
+                  <a:schemeClr val="bg1"/>
+                </a:solidFill>
+              </a:rPr>
+              <a:t>https://blog.csdn.net/happyever2012/article/details/44678595</a:t>
+            </a:r>
+            <a:endParaRPr lang="zh-CN" altLang="en-US">
+              <a:solidFill>
+                <a:schemeClr val="bg1"/>
+              </a:solidFill>
+            </a:endParaRPr>
+          </a:p>
+        </p:txBody>
+      </p:sp>
+      <p:sp>
+        <p:nvSpPr>
+          <p:cNvPr id="3" name="文本框 2"/>
+          <p:cNvSpPr txBox="1"/>
+          <p:nvPr/>
+        </p:nvSpPr>
+        <p:spPr>
+          <a:xfrm>
+            <a:off x="5010150" y="2829560"/>
+            <a:ext cx="2171065" cy="1198880"/>
+          </a:xfrm>
+          <a:prstGeom prst="rect">
+            <a:avLst/>
+          </a:prstGeom>
+          <a:noFill/>
+        </p:spPr>
+        <p:txBody>
+          <a:bodyPr wrap="square" rtlCol="0">
+            <a:spAutoFit/>
+          </a:bodyPr>
+          <a:p>
+            <a:r>
+              <a:rPr lang="zh-CN" altLang="en-US" sz="7200">
+                <a:solidFill>
+                  <a:schemeClr val="bg1"/>
+                </a:solidFill>
+              </a:rPr>
+              <a:t>谢谢</a:t>
+            </a:r>
+            <a:endParaRPr lang="zh-CN" altLang="en-US" sz="7200">
+              <a:solidFill>
+                <a:schemeClr val="bg1"/>
+              </a:solidFill>
+            </a:endParaRPr>
+          </a:p>
+        </p:txBody>
+      </p:sp>
+    </p:spTree>
+    <p:custDataLst>
+      <p:tags r:id="rId1"/>
+    </p:custDataLst>
+  </p:cSld>
+  <p:clrMapOvr>
+    <a:masterClrMapping/>
+  </p:clrMapOvr>
+</p:sld>
+</file>
+
+<file path=ppt/slides/slide2.xml><?xml version="1.0" encoding="utf-8"?>
+<p:sld xmlns:a="http://schemas.openxmlformats.org/drawingml/2006/main" xmlns:r="http://schemas.openxmlformats.org/officeDocument/2006/relationships" xmlns:p="http://schemas.openxmlformats.org/presentationml/2006/main">
+  <p:cSld>
     <p:spTree>
       <p:nvGrpSpPr>
         <p:cNvPr id="1" name=""/>
@@ -4959,8 +5118,8 @@
         </p:nvSpPr>
         <p:spPr>
           <a:xfrm>
-            <a:off x="3573145" y="1781810"/>
-            <a:ext cx="5045710" cy="2584450"/>
+            <a:off x="2988310" y="1721485"/>
+            <a:ext cx="6214745" cy="3415030"/>
           </a:xfrm>
           <a:prstGeom prst="rect">
             <a:avLst/>
@@ -4973,62 +5132,62 @@
           </a:bodyPr>
           <a:p>
             <a:r>
-              <a:rPr lang="en-US" altLang="zh-CN"/>
+              <a:rPr lang="en-US" altLang="zh-CN" sz="2400"/>
               <a:t>1.</a:t>
             </a:r>
             <a:r>
-              <a:rPr lang="zh-CN" altLang="en-US"/>
+              <a:rPr lang="zh-CN" altLang="en-US" sz="2400"/>
               <a:t>讲个故事</a:t>
             </a:r>
-            <a:endParaRPr lang="zh-CN" altLang="en-US"/>
-          </a:p>
-          <a:p>
-            <a:endParaRPr lang="zh-CN" altLang="en-US"/>
-          </a:p>
-          <a:p>
-            <a:endParaRPr lang="zh-CN" altLang="en-US"/>
-          </a:p>
-          <a:p>
-            <a:endParaRPr lang="zh-CN" altLang="en-US"/>
-          </a:p>
-          <a:p>
-            <a:r>
-              <a:rPr lang="en-US" altLang="zh-CN"/>
+            <a:endParaRPr lang="zh-CN" altLang="en-US" sz="2400"/>
+          </a:p>
+          <a:p>
+            <a:endParaRPr lang="zh-CN" altLang="en-US" sz="2400"/>
+          </a:p>
+          <a:p>
+            <a:endParaRPr lang="zh-CN" altLang="en-US" sz="2400"/>
+          </a:p>
+          <a:p>
+            <a:endParaRPr lang="zh-CN" altLang="en-US" sz="2400"/>
+          </a:p>
+          <a:p>
+            <a:r>
+              <a:rPr lang="en-US" altLang="zh-CN" sz="2400"/>
               <a:t>2.</a:t>
             </a:r>
             <a:r>
-              <a:rPr lang="zh-CN" altLang="en-US"/>
+              <a:rPr lang="zh-CN" altLang="en-US" sz="2400"/>
               <a:t>通过故事结合实际</a:t>
             </a:r>
             <a:r>
-              <a:rPr lang="en-US" altLang="zh-CN"/>
+              <a:rPr lang="en-US" altLang="zh-CN" sz="2400"/>
               <a:t>UML</a:t>
             </a:r>
             <a:r>
-              <a:rPr lang="zh-CN" altLang="en-US"/>
+              <a:rPr lang="zh-CN" altLang="en-US" sz="2400"/>
               <a:t>图再讲观察者模式</a:t>
             </a:r>
-            <a:endParaRPr lang="zh-CN" altLang="en-US"/>
-          </a:p>
-          <a:p>
-            <a:endParaRPr lang="zh-CN" altLang="en-US"/>
-          </a:p>
-          <a:p>
-            <a:endParaRPr lang="zh-CN" altLang="en-US"/>
-          </a:p>
-          <a:p>
-            <a:endParaRPr lang="zh-CN" altLang="en-US"/>
-          </a:p>
-          <a:p>
-            <a:r>
-              <a:rPr lang="en-US" altLang="zh-CN"/>
+            <a:endParaRPr lang="zh-CN" altLang="en-US" sz="2400"/>
+          </a:p>
+          <a:p>
+            <a:endParaRPr lang="zh-CN" altLang="en-US" sz="2400"/>
+          </a:p>
+          <a:p>
+            <a:endParaRPr lang="zh-CN" altLang="en-US" sz="2400"/>
+          </a:p>
+          <a:p>
+            <a:endParaRPr lang="zh-CN" altLang="en-US" sz="2400"/>
+          </a:p>
+          <a:p>
+            <a:r>
+              <a:rPr lang="en-US" altLang="zh-CN" sz="2400"/>
               <a:t>3.java</a:t>
             </a:r>
             <a:r>
-              <a:rPr lang="zh-CN" altLang="en-US"/>
+              <a:rPr lang="zh-CN" altLang="en-US" sz="2400"/>
               <a:t>内置观察者模式支持类的弊端</a:t>
             </a:r>
-            <a:endParaRPr lang="zh-CN" altLang="en-US"/>
+            <a:endParaRPr lang="zh-CN" altLang="en-US" sz="2400"/>
           </a:p>
         </p:txBody>
       </p:sp>
@@ -5046,12 +5205,6 @@
 <file path=ppt/slides/slide3.xml><?xml version="1.0" encoding="utf-8"?>
 <p:sld xmlns:a="http://schemas.openxmlformats.org/drawingml/2006/main" xmlns:r="http://schemas.openxmlformats.org/officeDocument/2006/relationships" xmlns:p="http://schemas.openxmlformats.org/presentationml/2006/main">
   <p:cSld>
-    <p:bg>
-      <p:bgPr>
-        <a:noFill/>
-        <a:effectLst/>
-      </p:bgPr>
-    </p:bg>
     <p:spTree>
       <p:nvGrpSpPr>
         <p:cNvPr id="1" name=""/>
@@ -5145,7 +5298,7 @@
         <p:spPr>
           <a:xfrm>
             <a:off x="2025015" y="947420"/>
-            <a:ext cx="7765415" cy="922020"/>
+            <a:ext cx="7765415" cy="1198880"/>
           </a:xfrm>
           <a:prstGeom prst="rect">
             <a:avLst/>
@@ -5158,34 +5311,34 @@
           </a:bodyPr>
           <a:p>
             <a:r>
-              <a:rPr lang="en-US" altLang="zh-CN"/>
+              <a:rPr lang="en-US" altLang="zh-CN" sz="2400"/>
               <a:t>        </a:t>
             </a:r>
             <a:r>
-              <a:rPr lang="zh-CN" altLang="en-US"/>
+              <a:rPr lang="zh-CN" altLang="en-US" sz="2400"/>
               <a:t>从前有一所工科学校，有一个漂亮温柔的女神，这样的女神自然很多人追求，有一天这个女神发布了一条动态</a:t>
             </a:r>
             <a:r>
-              <a:rPr lang="en-US" altLang="zh-CN"/>
+              <a:rPr lang="en-US" altLang="zh-CN" sz="2400"/>
               <a:t>“</a:t>
             </a:r>
             <a:r>
-              <a:rPr lang="zh-CN" altLang="en-US"/>
+              <a:rPr lang="zh-CN" altLang="en-US" sz="2400"/>
               <a:t>我饿了</a:t>
             </a:r>
             <a:r>
-              <a:rPr lang="en-US" altLang="zh-CN"/>
+              <a:rPr lang="en-US" altLang="zh-CN" sz="2400"/>
               <a:t>...”</a:t>
             </a:r>
             <a:r>
-              <a:rPr lang="zh-CN" altLang="en-US"/>
+              <a:rPr lang="zh-CN" altLang="en-US" sz="2400"/>
               <a:t>，于是众男生纷纷想出了自己的办法</a:t>
             </a:r>
             <a:r>
-              <a:rPr lang="en-US" altLang="zh-CN"/>
+              <a:rPr lang="en-US" altLang="zh-CN" sz="2400"/>
               <a:t>...</a:t>
             </a:r>
-            <a:endParaRPr lang="en-US" altLang="zh-CN"/>
+            <a:endParaRPr lang="en-US" altLang="zh-CN" sz="2400"/>
           </a:p>
         </p:txBody>
       </p:sp>
@@ -5198,7 +5351,7 @@
         <p:spPr>
           <a:xfrm>
             <a:off x="2118995" y="2242185"/>
-            <a:ext cx="7512050" cy="645160"/>
+            <a:ext cx="7512050" cy="829945"/>
           </a:xfrm>
           <a:prstGeom prst="rect">
             <a:avLst/>
@@ -5211,26 +5364,26 @@
           </a:bodyPr>
           <a:p>
             <a:r>
-              <a:rPr lang="en-US" altLang="zh-CN"/>
+              <a:rPr lang="en-US" altLang="zh-CN" sz="2400"/>
               <a:t>        </a:t>
             </a:r>
             <a:r>
-              <a:rPr lang="zh-CN" altLang="en-US"/>
+              <a:rPr lang="zh-CN" altLang="en-US" sz="2400"/>
               <a:t>工科学校当然也不缺经管系的男生，经管系男生说，</a:t>
             </a:r>
             <a:r>
-              <a:rPr lang="en-US" altLang="zh-CN"/>
+              <a:rPr lang="en-US" altLang="zh-CN" sz="2400"/>
               <a:t>“</a:t>
             </a:r>
             <a:r>
-              <a:rPr lang="zh-CN" altLang="en-US"/>
+              <a:rPr lang="zh-CN" altLang="en-US" sz="2400"/>
               <a:t>我给你买了你爱吃的，现在在楼下，下来拿吧</a:t>
             </a:r>
             <a:r>
-              <a:rPr lang="en-US" altLang="zh-CN"/>
+              <a:rPr lang="en-US" altLang="zh-CN" sz="2400"/>
               <a:t>”</a:t>
             </a:r>
-            <a:endParaRPr lang="en-US" altLang="zh-CN"/>
+            <a:endParaRPr lang="en-US" altLang="zh-CN" sz="2400"/>
           </a:p>
         </p:txBody>
       </p:sp>
@@ -5243,7 +5396,7 @@
         <p:spPr>
           <a:xfrm>
             <a:off x="2130425" y="3240405"/>
-            <a:ext cx="7512050" cy="645160"/>
+            <a:ext cx="7512050" cy="829945"/>
           </a:xfrm>
           <a:prstGeom prst="rect">
             <a:avLst/>
@@ -5256,30 +5409,26 @@
           </a:bodyPr>
           <a:p>
             <a:r>
-              <a:rPr lang="en-US" altLang="zh-CN"/>
+              <a:rPr lang="en-US" altLang="zh-CN" sz="2400"/>
               <a:t>        </a:t>
             </a:r>
             <a:r>
-              <a:rPr lang="zh-CN" altLang="en-US"/>
+              <a:rPr lang="zh-CN" altLang="en-US" sz="2400"/>
               <a:t>生物系男生说，</a:t>
             </a:r>
             <a:r>
-              <a:rPr lang="en-US" altLang="zh-CN"/>
+              <a:rPr lang="en-US" altLang="zh-CN" sz="2400"/>
               <a:t>“</a:t>
             </a:r>
             <a:r>
-              <a:rPr lang="zh-CN" altLang="en-US"/>
+              <a:rPr lang="zh-CN" altLang="en-US" sz="2400"/>
               <a:t>吃鸡。。。吧，补充能量，走，下楼，带你去吃</a:t>
             </a:r>
             <a:r>
-              <a:rPr lang="en-US" altLang="zh-CN"/>
-              <a:t>KFC</a:t>
-            </a:r>
-            <a:r>
-              <a:rPr lang="en-US" altLang="zh-CN"/>
-              <a:t>”</a:t>
-            </a:r>
-            <a:endParaRPr lang="en-US" altLang="zh-CN"/>
+              <a:rPr lang="en-US" altLang="zh-CN" sz="2400"/>
+              <a:t>KFC”</a:t>
+            </a:r>
+            <a:endParaRPr lang="en-US" altLang="zh-CN" sz="2400"/>
           </a:p>
         </p:txBody>
       </p:sp>
@@ -5292,7 +5441,7 @@
         <p:spPr>
           <a:xfrm>
             <a:off x="2132965" y="4238625"/>
-            <a:ext cx="7512050" cy="645160"/>
+            <a:ext cx="7512050" cy="1198880"/>
           </a:xfrm>
           <a:prstGeom prst="rect">
             <a:avLst/>
@@ -5305,26 +5454,26 @@
           </a:bodyPr>
           <a:p>
             <a:r>
-              <a:rPr lang="en-US" altLang="zh-CN"/>
+              <a:rPr lang="en-US" altLang="zh-CN" sz="2400"/>
               <a:t>        </a:t>
             </a:r>
             <a:r>
-              <a:rPr lang="zh-CN" altLang="en-US"/>
+              <a:rPr lang="zh-CN" altLang="en-US" sz="2400"/>
               <a:t>计算机系的男生说，</a:t>
             </a:r>
             <a:r>
-              <a:rPr lang="en-US" altLang="zh-CN"/>
+              <a:rPr lang="en-US" altLang="zh-CN" sz="2400"/>
               <a:t>“</a:t>
             </a:r>
             <a:r>
-              <a:rPr lang="zh-CN" altLang="en-US"/>
+              <a:rPr lang="zh-CN" altLang="en-US" sz="2400"/>
               <a:t>主动去获取女神动态效率太低了，还是写个观察者模式让女神主动通知我吧，她一定会感动的</a:t>
             </a:r>
             <a:r>
-              <a:rPr lang="en-US" altLang="zh-CN"/>
+              <a:rPr lang="en-US" altLang="zh-CN" sz="2400"/>
               <a:t>”</a:t>
             </a:r>
-            <a:endParaRPr lang="en-US" altLang="zh-CN"/>
+            <a:endParaRPr lang="en-US" altLang="zh-CN" sz="2400"/>
           </a:p>
         </p:txBody>
       </p:sp>
@@ -5536,12 +5685,6 @@
 <file path=ppt/slides/slide4.xml><?xml version="1.0" encoding="utf-8"?>
 <p:sld xmlns:a="http://schemas.openxmlformats.org/drawingml/2006/main" xmlns:r="http://schemas.openxmlformats.org/officeDocument/2006/relationships" xmlns:p="http://schemas.openxmlformats.org/presentationml/2006/main">
   <p:cSld>
-    <p:bg>
-      <p:bgPr>
-        <a:noFill/>
-        <a:effectLst/>
-      </p:bgPr>
-    </p:bg>
     <p:spTree>
       <p:nvGrpSpPr>
         <p:cNvPr id="1" name=""/>
@@ -5765,12 +5908,6 @@
 <file path=ppt/slides/slide5.xml><?xml version="1.0" encoding="utf-8"?>
 <p:sld xmlns:a="http://schemas.openxmlformats.org/drawingml/2006/main" xmlns:r="http://schemas.openxmlformats.org/officeDocument/2006/relationships" xmlns:p="http://schemas.openxmlformats.org/presentationml/2006/main">
   <p:cSld>
-    <p:bg>
-      <p:bgPr>
-        <a:noFill/>
-        <a:effectLst/>
-      </p:bgPr>
-    </p:bg>
     <p:spTree>
       <p:nvGrpSpPr>
         <p:cNvPr id="1" name=""/>
@@ -5900,8 +6037,32 @@
         </p:blipFill>
         <p:spPr>
           <a:xfrm>
-            <a:off x="3562350" y="1771650"/>
+            <a:off x="899160" y="697865"/>
             <a:ext cx="5067300" cy="3314700"/>
+          </a:xfrm>
+          <a:prstGeom prst="rect">
+            <a:avLst/>
+          </a:prstGeom>
+        </p:spPr>
+      </p:pic>
+      <p:pic>
+        <p:nvPicPr>
+          <p:cNvPr id="3" name="图片 2"/>
+          <p:cNvPicPr>
+            <a:picLocks noChangeAspect="1"/>
+          </p:cNvPicPr>
+          <p:nvPr/>
+        </p:nvPicPr>
+        <p:blipFill>
+          <a:blip r:embed="rId4"/>
+          <a:stretch>
+            <a:fillRect/>
+          </a:stretch>
+        </p:blipFill>
+        <p:spPr>
+          <a:xfrm>
+            <a:off x="3154045" y="4702175"/>
+            <a:ext cx="6915150" cy="819150"/>
           </a:xfrm>
           <a:prstGeom prst="rect">
             <a:avLst/>
@@ -5910,7 +6071,7 @@
       </p:pic>
     </p:spTree>
     <p:custDataLst>
-      <p:tags r:id="rId4"/>
+      <p:tags r:id="rId5"/>
     </p:custDataLst>
   </p:cSld>
   <p:clrMapOvr>
@@ -5922,12 +6083,6 @@
 <file path=ppt/slides/slide6.xml><?xml version="1.0" encoding="utf-8"?>
 <p:sld xmlns:a="http://schemas.openxmlformats.org/drawingml/2006/main" xmlns:r="http://schemas.openxmlformats.org/officeDocument/2006/relationships" xmlns:p="http://schemas.openxmlformats.org/presentationml/2006/main">
   <p:cSld>
-    <p:bg>
-      <p:bgPr>
-        <a:noFill/>
-        <a:effectLst/>
-      </p:bgPr>
-    </p:bg>
     <p:spTree>
       <p:nvGrpSpPr>
         <p:cNvPr id="1" name=""/>
@@ -5935,16 +6090,93 @@
         <p:nvPr/>
       </p:nvGrpSpPr>
       <p:grpSpPr/>
-      <p:sp>
-        <p:nvSpPr>
-          <p:cNvPr id="2" name="文本框 1"/>
+      <p:grpSp>
+        <p:nvGrpSpPr>
+          <p:cNvPr id="145" name="成组"/>
+          <p:cNvGrpSpPr/>
+          <p:nvPr/>
+        </p:nvGrpSpPr>
+        <p:grpSpPr>
+          <a:xfrm>
+            <a:off x="218440" y="6068060"/>
+            <a:ext cx="11770360" cy="507365"/>
+            <a:chOff x="0" y="0"/>
+            <a:chExt cx="8546862" cy="373626"/>
+          </a:xfrm>
+        </p:grpSpPr>
+        <p:pic>
+          <p:nvPicPr>
+            <p:cNvPr id="143" name="image3.png" descr="image3.png"/>
+            <p:cNvPicPr>
+              <a:picLocks noChangeAspect="1"/>
+            </p:cNvPicPr>
+            <p:nvPr/>
+          </p:nvPicPr>
+          <p:blipFill>
+            <a:blip r:embed="rId1"/>
+            <a:stretch>
+              <a:fillRect/>
+            </a:stretch>
+          </p:blipFill>
+          <p:spPr>
+            <a:xfrm>
+              <a:off x="0" y="326525"/>
+              <a:ext cx="7929004" cy="47101"/>
+            </a:xfrm>
+            <a:prstGeom prst="rect">
+              <a:avLst/>
+            </a:prstGeom>
+            <a:ln w="12700" cap="flat">
+              <a:noFill/>
+              <a:miter lim="400000"/>
+              <a:headEnd/>
+              <a:tailEnd/>
+            </a:ln>
+            <a:effectLst/>
+          </p:spPr>
+        </p:pic>
+        <p:pic>
+          <p:nvPicPr>
+            <p:cNvPr id="144" name="贝贝 logo.png" descr="贝贝 logo.png"/>
+            <p:cNvPicPr>
+              <a:picLocks noChangeAspect="1"/>
+            </p:cNvPicPr>
+            <p:nvPr/>
+          </p:nvPicPr>
+          <p:blipFill>
+            <a:blip r:embed="rId2"/>
+            <a:stretch>
+              <a:fillRect/>
+            </a:stretch>
+          </p:blipFill>
+          <p:spPr>
+            <a:xfrm>
+              <a:off x="8031797" y="-1"/>
+              <a:ext cx="515066" cy="373627"/>
+            </a:xfrm>
+            <a:prstGeom prst="rect">
+              <a:avLst/>
+            </a:prstGeom>
+            <a:ln w="12700" cap="flat">
+              <a:noFill/>
+              <a:miter lim="400000"/>
+              <a:headEnd/>
+              <a:tailEnd/>
+            </a:ln>
+            <a:effectLst/>
+          </p:spPr>
+        </p:pic>
+      </p:grpSp>
+      <p:sp>
+        <p:nvSpPr>
+          <p:cNvPr id="8" name="文本框 7"/>
           <p:cNvSpPr txBox="1"/>
           <p:nvPr/>
         </p:nvSpPr>
         <p:spPr>
           <a:xfrm>
-            <a:off x="822325" y="5228590"/>
-            <a:ext cx="8061325" cy="922020"/>
+            <a:off x="218440" y="6068060"/>
+            <a:ext cx="5861050" cy="368300"/>
           </a:xfrm>
           <a:prstGeom prst="rect">
             <a:avLst/>
@@ -5958,30 +6190,442 @@
           <a:p>
             <a:r>
               <a:rPr lang="zh-CN" altLang="en-US"/>
-              <a:t>参考资料：</a:t>
+              <a:t>这样实现有什么问题</a:t>
             </a:r>
             <a:endParaRPr lang="zh-CN" altLang="en-US"/>
           </a:p>
+        </p:txBody>
+      </p:sp>
+      <p:sp>
+        <p:nvSpPr>
+          <p:cNvPr id="2" name="文本框 1"/>
+          <p:cNvSpPr txBox="1"/>
+          <p:nvPr/>
+        </p:nvSpPr>
+        <p:spPr>
+          <a:xfrm>
+            <a:off x="1245870" y="1905635"/>
+            <a:ext cx="9700895" cy="3046095"/>
+          </a:xfrm>
+          <a:prstGeom prst="rect">
+            <a:avLst/>
+          </a:prstGeom>
+          <a:noFill/>
+        </p:spPr>
+        <p:txBody>
+          <a:bodyPr wrap="square" rtlCol="0">
+            <a:spAutoFit/>
+          </a:bodyPr>
+          <a:p>
+            <a:r>
+              <a:rPr lang="en-US" altLang="zh-CN" sz="2400"/>
+              <a:t>1.</a:t>
+            </a:r>
+            <a:r>
+              <a:rPr lang="zh-CN" altLang="en-US" sz="2400"/>
+              <a:t>需要女神知道哪些人喜欢她，她才能通知</a:t>
+            </a:r>
+            <a:endParaRPr lang="zh-CN" altLang="en-US" sz="2400"/>
+          </a:p>
+          <a:p>
+            <a:endParaRPr lang="zh-CN" altLang="en-US" sz="2400"/>
+          </a:p>
+          <a:p>
+            <a:endParaRPr lang="zh-CN" altLang="en-US" sz="2400"/>
+          </a:p>
+          <a:p>
+            <a:r>
+              <a:rPr lang="en-US" altLang="zh-CN" sz="2400"/>
+              <a:t>2.</a:t>
+            </a:r>
+            <a:r>
+              <a:rPr lang="zh-CN" altLang="en-US" sz="2400"/>
+              <a:t>如果有老实人想默默付出，不希望女生知道，那这样的实现，老实人就收不到女神的动态了</a:t>
+            </a:r>
+            <a:endParaRPr lang="zh-CN" altLang="en-US" sz="2400"/>
+          </a:p>
+          <a:p>
+            <a:endParaRPr lang="zh-CN" altLang="en-US" sz="2400"/>
+          </a:p>
+          <a:p>
+            <a:endParaRPr lang="zh-CN" altLang="en-US" sz="2400"/>
+          </a:p>
+          <a:p>
+            <a:r>
+              <a:rPr lang="en-US" altLang="zh-CN" sz="2400"/>
+              <a:t>3.</a:t>
+            </a:r>
+            <a:r>
+              <a:rPr lang="zh-CN" altLang="en-US" sz="2400"/>
+              <a:t>其他问题</a:t>
+            </a:r>
+            <a:endParaRPr lang="zh-CN" altLang="en-US" sz="2400"/>
+          </a:p>
+        </p:txBody>
+      </p:sp>
+    </p:spTree>
+  </p:cSld>
+  <p:clrMapOvr>
+    <a:masterClrMapping/>
+  </p:clrMapOvr>
+</p:sld>
+</file>
+
+<file path=ppt/slides/slide7.xml><?xml version="1.0" encoding="utf-8"?>
+<p:sld xmlns:a="http://schemas.openxmlformats.org/drawingml/2006/main" xmlns:r="http://schemas.openxmlformats.org/officeDocument/2006/relationships" xmlns:p="http://schemas.openxmlformats.org/presentationml/2006/main">
+  <p:cSld>
+    <p:spTree>
+      <p:nvGrpSpPr>
+        <p:cNvPr id="1" name=""/>
+        <p:cNvGrpSpPr/>
+        <p:nvPr/>
+      </p:nvGrpSpPr>
+      <p:grpSpPr/>
+      <p:grpSp>
+        <p:nvGrpSpPr>
+          <p:cNvPr id="145" name="成组"/>
+          <p:cNvGrpSpPr/>
+          <p:nvPr/>
+        </p:nvGrpSpPr>
+        <p:grpSpPr>
+          <a:xfrm>
+            <a:off x="218440" y="6068060"/>
+            <a:ext cx="11770360" cy="507365"/>
+            <a:chOff x="0" y="0"/>
+            <a:chExt cx="8546862" cy="373626"/>
+          </a:xfrm>
+        </p:grpSpPr>
+        <p:pic>
+          <p:nvPicPr>
+            <p:cNvPr id="143" name="image3.png" descr="image3.png"/>
+            <p:cNvPicPr>
+              <a:picLocks noChangeAspect="1"/>
+            </p:cNvPicPr>
+            <p:nvPr/>
+          </p:nvPicPr>
+          <p:blipFill>
+            <a:blip r:embed="rId1"/>
+            <a:stretch>
+              <a:fillRect/>
+            </a:stretch>
+          </p:blipFill>
+          <p:spPr>
+            <a:xfrm>
+              <a:off x="0" y="326525"/>
+              <a:ext cx="7929004" cy="47101"/>
+            </a:xfrm>
+            <a:prstGeom prst="rect">
+              <a:avLst/>
+            </a:prstGeom>
+            <a:ln w="12700" cap="flat">
+              <a:noFill/>
+              <a:miter lim="400000"/>
+              <a:headEnd/>
+              <a:tailEnd/>
+            </a:ln>
+            <a:effectLst/>
+          </p:spPr>
+        </p:pic>
+        <p:pic>
+          <p:nvPicPr>
+            <p:cNvPr id="144" name="贝贝 logo.png" descr="贝贝 logo.png"/>
+            <p:cNvPicPr>
+              <a:picLocks noChangeAspect="1"/>
+            </p:cNvPicPr>
+            <p:nvPr/>
+          </p:nvPicPr>
+          <p:blipFill>
+            <a:blip r:embed="rId2"/>
+            <a:stretch>
+              <a:fillRect/>
+            </a:stretch>
+          </p:blipFill>
+          <p:spPr>
+            <a:xfrm>
+              <a:off x="8031797" y="-1"/>
+              <a:ext cx="515066" cy="373627"/>
+            </a:xfrm>
+            <a:prstGeom prst="rect">
+              <a:avLst/>
+            </a:prstGeom>
+            <a:ln w="12700" cap="flat">
+              <a:noFill/>
+              <a:miter lim="400000"/>
+              <a:headEnd/>
+              <a:tailEnd/>
+            </a:ln>
+            <a:effectLst/>
+          </p:spPr>
+        </p:pic>
+      </p:grpSp>
+      <p:sp>
+        <p:nvSpPr>
+          <p:cNvPr id="8" name="文本框 7"/>
+          <p:cNvSpPr txBox="1"/>
+          <p:nvPr/>
+        </p:nvSpPr>
+        <p:spPr>
+          <a:xfrm>
+            <a:off x="218440" y="6068060"/>
+            <a:ext cx="5861050" cy="368300"/>
+          </a:xfrm>
+          <a:prstGeom prst="rect">
+            <a:avLst/>
+          </a:prstGeom>
+          <a:noFill/>
+        </p:spPr>
+        <p:txBody>
+          <a:bodyPr wrap="square" rtlCol="0">
+            <a:spAutoFit/>
+          </a:bodyPr>
           <a:p>
             <a:r>
               <a:rPr lang="zh-CN" altLang="en-US"/>
-              <a:t>https://www.jianshu.com/p/46f13e4adc32</a:t>
+              <a:t>观察者模式</a:t>
             </a:r>
             <a:endParaRPr lang="zh-CN" altLang="en-US"/>
           </a:p>
+        </p:txBody>
+      </p:sp>
+      <p:sp>
+        <p:nvSpPr>
+          <p:cNvPr id="2" name="文本框 1"/>
+          <p:cNvSpPr txBox="1"/>
+          <p:nvPr/>
+        </p:nvSpPr>
+        <p:spPr>
+          <a:xfrm>
+            <a:off x="2639695" y="3198495"/>
+            <a:ext cx="6911975" cy="460375"/>
+          </a:xfrm>
+          <a:prstGeom prst="rect">
+            <a:avLst/>
+          </a:prstGeom>
+          <a:noFill/>
+        </p:spPr>
+        <p:txBody>
+          <a:bodyPr wrap="square" rtlCol="0">
+            <a:spAutoFit/>
+          </a:bodyPr>
+          <a:p>
+            <a:r>
+              <a:rPr lang="zh-CN" altLang="en-US" sz="2400"/>
+              <a:t>为了解决上述问题，我们就可以用处观察者模式</a:t>
+            </a:r>
+            <a:endParaRPr lang="zh-CN" altLang="en-US" sz="2400"/>
+          </a:p>
+        </p:txBody>
+      </p:sp>
+    </p:spTree>
+  </p:cSld>
+  <p:clrMapOvr>
+    <a:masterClrMapping/>
+  </p:clrMapOvr>
+  <p:timing>
+    <p:tnLst>
+      <p:par>
+        <p:cTn id="1" dur="indefinite" restart="never" nodeType="tmRoot"/>
+      </p:par>
+    </p:tnLst>
+  </p:timing>
+</p:sld>
+</file>
+
+<file path=ppt/slides/slide8.xml><?xml version="1.0" encoding="utf-8"?>
+<p:sld xmlns:a="http://schemas.openxmlformats.org/drawingml/2006/main" xmlns:r="http://schemas.openxmlformats.org/officeDocument/2006/relationships" xmlns:p="http://schemas.openxmlformats.org/presentationml/2006/main">
+  <p:cSld>
+    <p:spTree>
+      <p:nvGrpSpPr>
+        <p:cNvPr id="1" name=""/>
+        <p:cNvGrpSpPr/>
+        <p:nvPr/>
+      </p:nvGrpSpPr>
+      <p:grpSpPr/>
+      <p:sp>
+        <p:nvSpPr>
+          <p:cNvPr id="3" name="文本框 2"/>
+          <p:cNvSpPr txBox="1"/>
+          <p:nvPr/>
+        </p:nvSpPr>
+        <p:spPr>
+          <a:xfrm>
+            <a:off x="752475" y="276860"/>
+            <a:ext cx="10869295" cy="1198880"/>
+          </a:xfrm>
+          <a:prstGeom prst="rect">
+            <a:avLst/>
+          </a:prstGeom>
+          <a:noFill/>
+        </p:spPr>
+        <p:txBody>
+          <a:bodyPr wrap="square" rtlCol="0">
+            <a:spAutoFit/>
+          </a:bodyPr>
+          <a:p>
+            <a:r>
+              <a:rPr lang="zh-CN" altLang="en-US" sz="2400"/>
+              <a:t>观察者模式：定义了一种一对多的依赖关系，让多个观察者对象同时监听某一个主题对象。这个主题对象在状态上发生变化时，会通知所有观察者对象，使它们能够自动更新自己。</a:t>
+            </a:r>
+            <a:endParaRPr lang="zh-CN" altLang="en-US" sz="2400"/>
+          </a:p>
+        </p:txBody>
+      </p:sp>
+      <p:pic>
+        <p:nvPicPr>
+          <p:cNvPr id="4" name="图片 3"/>
+          <p:cNvPicPr>
+            <a:picLocks noChangeAspect="1"/>
+          </p:cNvPicPr>
+          <p:nvPr/>
+        </p:nvPicPr>
+        <p:blipFill>
+          <a:blip r:embed="rId1"/>
+          <a:stretch>
+            <a:fillRect/>
+          </a:stretch>
+        </p:blipFill>
+        <p:spPr>
+          <a:xfrm>
+            <a:off x="1822450" y="1609725"/>
+            <a:ext cx="8126730" cy="4458335"/>
+          </a:xfrm>
+          <a:prstGeom prst="rect">
+            <a:avLst/>
+          </a:prstGeom>
+        </p:spPr>
+      </p:pic>
+      <p:grpSp>
+        <p:nvGrpSpPr>
+          <p:cNvPr id="145" name="成组"/>
+          <p:cNvGrpSpPr/>
+          <p:nvPr/>
+        </p:nvGrpSpPr>
+        <p:grpSpPr>
+          <a:xfrm>
+            <a:off x="218440" y="6068060"/>
+            <a:ext cx="11770360" cy="507365"/>
+            <a:chOff x="0" y="0"/>
+            <a:chExt cx="8546862" cy="373626"/>
+          </a:xfrm>
+        </p:grpSpPr>
+        <p:pic>
+          <p:nvPicPr>
+            <p:cNvPr id="143" name="image3.png" descr="image3.png"/>
+            <p:cNvPicPr>
+              <a:picLocks noChangeAspect="1"/>
+            </p:cNvPicPr>
+            <p:nvPr/>
+          </p:nvPicPr>
+          <p:blipFill>
+            <a:blip r:embed="rId2"/>
+            <a:stretch>
+              <a:fillRect/>
+            </a:stretch>
+          </p:blipFill>
+          <p:spPr>
+            <a:xfrm>
+              <a:off x="0" y="326525"/>
+              <a:ext cx="7929004" cy="47101"/>
+            </a:xfrm>
+            <a:prstGeom prst="rect">
+              <a:avLst/>
+            </a:prstGeom>
+            <a:ln w="12700" cap="flat">
+              <a:noFill/>
+              <a:miter lim="400000"/>
+              <a:headEnd/>
+              <a:tailEnd/>
+            </a:ln>
+            <a:effectLst/>
+          </p:spPr>
+        </p:pic>
+        <p:pic>
+          <p:nvPicPr>
+            <p:cNvPr id="144" name="贝贝 logo.png" descr="贝贝 logo.png"/>
+            <p:cNvPicPr>
+              <a:picLocks noChangeAspect="1"/>
+            </p:cNvPicPr>
+            <p:nvPr/>
+          </p:nvPicPr>
+          <p:blipFill>
+            <a:blip r:embed="rId3"/>
+            <a:stretch>
+              <a:fillRect/>
+            </a:stretch>
+          </p:blipFill>
+          <p:spPr>
+            <a:xfrm>
+              <a:off x="8031797" y="-1"/>
+              <a:ext cx="515066" cy="373627"/>
+            </a:xfrm>
+            <a:prstGeom prst="rect">
+              <a:avLst/>
+            </a:prstGeom>
+            <a:ln w="12700" cap="flat">
+              <a:noFill/>
+              <a:miter lim="400000"/>
+              <a:headEnd/>
+              <a:tailEnd/>
+            </a:ln>
+            <a:effectLst/>
+          </p:spPr>
+        </p:pic>
+      </p:grpSp>
+      <p:sp>
+        <p:nvSpPr>
+          <p:cNvPr id="8" name="文本框 7"/>
+          <p:cNvSpPr txBox="1"/>
+          <p:nvPr/>
+        </p:nvSpPr>
+        <p:spPr>
+          <a:xfrm>
+            <a:off x="218440" y="6068060"/>
+            <a:ext cx="5861050" cy="368300"/>
+          </a:xfrm>
+          <a:prstGeom prst="rect">
+            <a:avLst/>
+          </a:prstGeom>
+          <a:noFill/>
+        </p:spPr>
+        <p:txBody>
+          <a:bodyPr wrap="square" rtlCol="0">
+            <a:spAutoFit/>
+          </a:bodyPr>
           <a:p>
             <a:r>
               <a:rPr lang="zh-CN" altLang="en-US"/>
-              <a:t>https://blog.csdn.net/happyever2012/article/details/44678595</a:t>
+              <a:t>观察者模式</a:t>
             </a:r>
             <a:endParaRPr lang="zh-CN" altLang="en-US"/>
           </a:p>
         </p:txBody>
       </p:sp>
     </p:spTree>
-    <p:custDataLst>
-      <p:tags r:id="rId1"/>
-    </p:custDataLst>
+  </p:cSld>
+  <p:clrMapOvr>
+    <a:masterClrMapping/>
+  </p:clrMapOvr>
+  <p:timing>
+    <p:tnLst>
+      <p:par>
+        <p:cTn id="1" dur="indefinite" restart="never" nodeType="tmRoot"/>
+      </p:par>
+    </p:tnLst>
+  </p:timing>
+</p:sld>
+</file>
+
+<file path=ppt/slides/slide9.xml><?xml version="1.0" encoding="utf-8"?>
+<p:sld xmlns:a="http://schemas.openxmlformats.org/drawingml/2006/main" xmlns:r="http://schemas.openxmlformats.org/officeDocument/2006/relationships" xmlns:p="http://schemas.openxmlformats.org/presentationml/2006/main">
+  <p:cSld>
+    <p:spTree>
+      <p:nvGrpSpPr>
+        <p:cNvPr id="1" name=""/>
+        <p:cNvGrpSpPr/>
+        <p:nvPr/>
+      </p:nvGrpSpPr>
+      <p:grpSpPr/>
+    </p:spTree>
   </p:cSld>
   <p:clrMapOvr>
     <a:masterClrMapping/>

--- a/ppt/设计模式_观察者模式_卢建至.pptx
+++ b/ppt/设计模式_观察者模式_卢建至.pptx
@@ -5467,7 +5467,11 @@
             </a:r>
             <a:r>
               <a:rPr lang="zh-CN" altLang="en-US" sz="2400"/>
-              <a:t>主动去获取女神动态效率太低了，还是写个观察者模式让女神主动通知我吧，她一定会感动的</a:t>
+              <a:t>自己</a:t>
+            </a:r>
+            <a:r>
+              <a:rPr lang="zh-CN" altLang="en-US" sz="2400"/>
+              <a:t>去获取女神动态不及时啊，还是写个观察者模式让女神主动通知我吧，她一定会感动的</a:t>
             </a:r>
             <a:r>
               <a:rPr lang="en-US" altLang="zh-CN" sz="2400"/>
@@ -5841,9 +5845,38 @@
           </a:prstGeom>
         </p:spPr>
       </p:pic>
+      <p:sp>
+        <p:nvSpPr>
+          <p:cNvPr id="8" name="文本框 7"/>
+          <p:cNvSpPr txBox="1"/>
+          <p:nvPr/>
+        </p:nvSpPr>
+        <p:spPr>
+          <a:xfrm>
+            <a:off x="218440" y="6068060"/>
+            <a:ext cx="5861050" cy="368300"/>
+          </a:xfrm>
+          <a:prstGeom prst="rect">
+            <a:avLst/>
+          </a:prstGeom>
+          <a:noFill/>
+        </p:spPr>
+        <p:txBody>
+          <a:bodyPr wrap="square" rtlCol="0">
+            <a:spAutoFit/>
+          </a:bodyPr>
+          <a:p>
+            <a:r>
+              <a:rPr lang="zh-CN" altLang="en-US"/>
+              <a:t>看一下代码怎么实现刚才的故事</a:t>
+            </a:r>
+            <a:endParaRPr lang="zh-CN" altLang="en-US"/>
+          </a:p>
+        </p:txBody>
+      </p:sp>
       <p:pic>
         <p:nvPicPr>
-          <p:cNvPr id="7" name="图片 6"/>
+          <p:cNvPr id="2" name="图片 1"/>
           <p:cNvPicPr>
             <a:picLocks noChangeAspect="1"/>
           </p:cNvPicPr>
@@ -5857,43 +5890,14 @@
         </p:blipFill>
         <p:spPr>
           <a:xfrm>
-            <a:off x="3613150" y="3687445"/>
-            <a:ext cx="6324600" cy="1733550"/>
+            <a:off x="3613150" y="3757930"/>
+            <a:ext cx="7409815" cy="1793875"/>
           </a:xfrm>
           <a:prstGeom prst="rect">
             <a:avLst/>
           </a:prstGeom>
         </p:spPr>
       </p:pic>
-      <p:sp>
-        <p:nvSpPr>
-          <p:cNvPr id="8" name="文本框 7"/>
-          <p:cNvSpPr txBox="1"/>
-          <p:nvPr/>
-        </p:nvSpPr>
-        <p:spPr>
-          <a:xfrm>
-            <a:off x="218440" y="6068060"/>
-            <a:ext cx="5861050" cy="368300"/>
-          </a:xfrm>
-          <a:prstGeom prst="rect">
-            <a:avLst/>
-          </a:prstGeom>
-          <a:noFill/>
-        </p:spPr>
-        <p:txBody>
-          <a:bodyPr wrap="square" rtlCol="0">
-            <a:spAutoFit/>
-          </a:bodyPr>
-          <a:p>
-            <a:r>
-              <a:rPr lang="zh-CN" altLang="en-US"/>
-              <a:t>看一下代码怎么实现刚才的故事</a:t>
-            </a:r>
-            <a:endParaRPr lang="zh-CN" altLang="en-US"/>
-          </a:p>
-        </p:txBody>
-      </p:sp>
     </p:spTree>
     <p:custDataLst>
       <p:tags r:id="rId7"/>
@@ -6047,7 +6051,7 @@
       </p:pic>
       <p:pic>
         <p:nvPicPr>
-          <p:cNvPr id="3" name="图片 2"/>
+          <p:cNvPr id="4" name="图片 3"/>
           <p:cNvPicPr>
             <a:picLocks noChangeAspect="1"/>
           </p:cNvPicPr>
@@ -6061,8 +6065,8 @@
         </p:blipFill>
         <p:spPr>
           <a:xfrm>
-            <a:off x="3154045" y="4702175"/>
-            <a:ext cx="6915150" cy="819150"/>
+            <a:off x="3045460" y="4438015"/>
+            <a:ext cx="8548370" cy="1205230"/>
           </a:xfrm>
           <a:prstGeom prst="rect">
             <a:avLst/>
@@ -6470,30 +6474,6 @@
           </a:p>
         </p:txBody>
       </p:sp>
-      <p:pic>
-        <p:nvPicPr>
-          <p:cNvPr id="4" name="图片 3"/>
-          <p:cNvPicPr>
-            <a:picLocks noChangeAspect="1"/>
-          </p:cNvPicPr>
-          <p:nvPr/>
-        </p:nvPicPr>
-        <p:blipFill>
-          <a:blip r:embed="rId1"/>
-          <a:stretch>
-            <a:fillRect/>
-          </a:stretch>
-        </p:blipFill>
-        <p:spPr>
-          <a:xfrm>
-            <a:off x="1822450" y="1609725"/>
-            <a:ext cx="8126730" cy="4458335"/>
-          </a:xfrm>
-          <a:prstGeom prst="rect">
-            <a:avLst/>
-          </a:prstGeom>
-        </p:spPr>
-      </p:pic>
       <p:grpSp>
         <p:nvGrpSpPr>
           <p:cNvPr id="145" name="成组"/>
@@ -6517,7 +6497,7 @@
             <p:nvPr/>
           </p:nvPicPr>
           <p:blipFill>
-            <a:blip r:embed="rId2"/>
+            <a:blip r:embed="rId1"/>
             <a:stretch>
               <a:fillRect/>
             </a:stretch>
@@ -6548,7 +6528,7 @@
             <p:nvPr/>
           </p:nvPicPr>
           <p:blipFill>
-            <a:blip r:embed="rId3"/>
+            <a:blip r:embed="rId2"/>
             <a:stretch>
               <a:fillRect/>
             </a:stretch>
@@ -6600,6 +6580,30 @@
           </a:p>
         </p:txBody>
       </p:sp>
+      <p:pic>
+        <p:nvPicPr>
+          <p:cNvPr id="2" name="图片 1"/>
+          <p:cNvPicPr>
+            <a:picLocks noChangeAspect="1"/>
+          </p:cNvPicPr>
+          <p:nvPr/>
+        </p:nvPicPr>
+        <p:blipFill>
+          <a:blip r:embed="rId3"/>
+          <a:stretch>
+            <a:fillRect/>
+          </a:stretch>
+        </p:blipFill>
+        <p:spPr>
+          <a:xfrm>
+            <a:off x="2287905" y="1475740"/>
+            <a:ext cx="7616190" cy="4614545"/>
+          </a:xfrm>
+          <a:prstGeom prst="rect">
+            <a:avLst/>
+          </a:prstGeom>
+        </p:spPr>
+      </p:pic>
     </p:spTree>
   </p:cSld>
   <p:clrMapOvr>
@@ -6625,6 +6629,112 @@
         <p:nvPr/>
       </p:nvGrpSpPr>
       <p:grpSpPr/>
+      <p:grpSp>
+        <p:nvGrpSpPr>
+          <p:cNvPr id="145" name="成组"/>
+          <p:cNvGrpSpPr/>
+          <p:nvPr/>
+        </p:nvGrpSpPr>
+        <p:grpSpPr>
+          <a:xfrm>
+            <a:off x="218440" y="6068060"/>
+            <a:ext cx="11770360" cy="507365"/>
+            <a:chOff x="0" y="0"/>
+            <a:chExt cx="8546862" cy="373626"/>
+          </a:xfrm>
+        </p:grpSpPr>
+        <p:pic>
+          <p:nvPicPr>
+            <p:cNvPr id="143" name="image3.png" descr="image3.png"/>
+            <p:cNvPicPr>
+              <a:picLocks noChangeAspect="1"/>
+            </p:cNvPicPr>
+            <p:nvPr/>
+          </p:nvPicPr>
+          <p:blipFill>
+            <a:blip r:embed="rId1"/>
+            <a:stretch>
+              <a:fillRect/>
+            </a:stretch>
+          </p:blipFill>
+          <p:spPr>
+            <a:xfrm>
+              <a:off x="0" y="326525"/>
+              <a:ext cx="7929004" cy="47101"/>
+            </a:xfrm>
+            <a:prstGeom prst="rect">
+              <a:avLst/>
+            </a:prstGeom>
+            <a:ln w="12700" cap="flat">
+              <a:noFill/>
+              <a:miter lim="400000"/>
+              <a:headEnd/>
+              <a:tailEnd/>
+            </a:ln>
+            <a:effectLst/>
+          </p:spPr>
+        </p:pic>
+        <p:pic>
+          <p:nvPicPr>
+            <p:cNvPr id="144" name="贝贝 logo.png" descr="贝贝 logo.png"/>
+            <p:cNvPicPr>
+              <a:picLocks noChangeAspect="1"/>
+            </p:cNvPicPr>
+            <p:nvPr/>
+          </p:nvPicPr>
+          <p:blipFill>
+            <a:blip r:embed="rId2"/>
+            <a:stretch>
+              <a:fillRect/>
+            </a:stretch>
+          </p:blipFill>
+          <p:spPr>
+            <a:xfrm>
+              <a:off x="8031797" y="-1"/>
+              <a:ext cx="515066" cy="373627"/>
+            </a:xfrm>
+            <a:prstGeom prst="rect">
+              <a:avLst/>
+            </a:prstGeom>
+            <a:ln w="12700" cap="flat">
+              <a:noFill/>
+              <a:miter lim="400000"/>
+              <a:headEnd/>
+              <a:tailEnd/>
+            </a:ln>
+            <a:effectLst/>
+          </p:spPr>
+        </p:pic>
+      </p:grpSp>
+      <p:sp>
+        <p:nvSpPr>
+          <p:cNvPr id="8" name="文本框 7"/>
+          <p:cNvSpPr txBox="1"/>
+          <p:nvPr/>
+        </p:nvSpPr>
+        <p:spPr>
+          <a:xfrm>
+            <a:off x="218440" y="6068060"/>
+            <a:ext cx="5861050" cy="368300"/>
+          </a:xfrm>
+          <a:prstGeom prst="rect">
+            <a:avLst/>
+          </a:prstGeom>
+          <a:noFill/>
+        </p:spPr>
+        <p:txBody>
+          <a:bodyPr wrap="square" rtlCol="0">
+            <a:spAutoFit/>
+          </a:bodyPr>
+          <a:p>
+            <a:r>
+              <a:rPr lang="zh-CN" altLang="en-US"/>
+              <a:t>用观察者来实现刚才的故事</a:t>
+            </a:r>
+            <a:endParaRPr lang="zh-CN" altLang="en-US"/>
+          </a:p>
+        </p:txBody>
+      </p:sp>
     </p:spTree>
   </p:cSld>
   <p:clrMapOvr>

--- a/ppt/设计模式_观察者模式_卢建至.pptx
+++ b/ppt/设计模式_观察者模式_卢建至.pptx
@@ -8,7 +8,7 @@
     <p:notesMasterId r:id="rId4"/>
   </p:notesMasterIdLst>
   <p:handoutMasterIdLst>
-    <p:handoutMasterId r:id="rId16"/>
+    <p:handoutMasterId r:id="rId20"/>
   </p:handoutMasterIdLst>
   <p:sldIdLst>
     <p:sldId id="256" r:id="rId3"/>
@@ -22,7 +22,11 @@
     <p:sldId id="266" r:id="rId12"/>
     <p:sldId id="267" r:id="rId13"/>
     <p:sldId id="265" r:id="rId14"/>
-    <p:sldId id="261" r:id="rId15"/>
+    <p:sldId id="270" r:id="rId15"/>
+    <p:sldId id="271" r:id="rId16"/>
+    <p:sldId id="272" r:id="rId17"/>
+    <p:sldId id="273" r:id="rId18"/>
+    <p:sldId id="261" r:id="rId19"/>
   </p:sldIdLst>
   <p:sldSz cx="12192000" cy="6858000"/>
   <p:notesSz cx="6858000" cy="9144000"/>
@@ -1434,7 +1438,7 @@
               <a:spcAft>
                 <a:spcPts val="1000"/>
               </a:spcAft>
-              <a:buFont typeface="Arial" panose="02080604020202020204" pitchFamily="34" charset="0"/>
+              <a:buFont typeface="Arial" panose="020B0604020202020204" pitchFamily="34" charset="0"/>
               <a:buChar char="•"/>
               <a:defRPr kumimoji="0" lang="zh-CN" altLang="en-US" sz="1600" b="0" i="0" u="none" strike="noStrike" kern="1200" cap="none" spc="150" normalizeH="0" baseline="0" noProof="1" dirty="0">
                 <a:solidFill>
@@ -1460,7 +1464,7 @@
               <a:spcAft>
                 <a:spcPts val="1000"/>
               </a:spcAft>
-              <a:buFont typeface="Arial" panose="02080604020202020204" pitchFamily="34" charset="0"/>
+              <a:buFont typeface="Arial" panose="020B0604020202020204" pitchFamily="34" charset="0"/>
               <a:buChar char="•"/>
               <a:tabLst>
                 <a:tab pos="1609725" algn="l"/>
@@ -1489,7 +1493,7 @@
               <a:spcAft>
                 <a:spcPts val="1000"/>
               </a:spcAft>
-              <a:buFont typeface="Arial" panose="02080604020202020204" pitchFamily="34" charset="0"/>
+              <a:buFont typeface="Arial" panose="020B0604020202020204" pitchFamily="34" charset="0"/>
               <a:buChar char="•"/>
               <a:defRPr kumimoji="0" lang="zh-CN" altLang="en-US" sz="1600" b="0" i="0" u="none" strike="noStrike" kern="1200" cap="none" spc="150" normalizeH="0" baseline="0" noProof="1" dirty="0">
                 <a:solidFill>
@@ -1515,7 +1519,7 @@
               <a:spcAft>
                 <a:spcPts val="1000"/>
               </a:spcAft>
-              <a:buFont typeface="Arial" panose="02080604020202020204" pitchFamily="34" charset="0"/>
+              <a:buFont typeface="Arial" panose="020B0604020202020204" pitchFamily="34" charset="0"/>
               <a:buChar char="•"/>
               <a:defRPr kumimoji="0" lang="zh-CN" altLang="en-US" sz="1600" b="0" i="0" u="none" strike="noStrike" kern="1200" cap="none" spc="150" normalizeH="0" baseline="0" noProof="1" dirty="0">
                 <a:solidFill>
@@ -1541,7 +1545,7 @@
               <a:spcAft>
                 <a:spcPts val="1000"/>
               </a:spcAft>
-              <a:buFont typeface="Arial" panose="02080604020202020204" pitchFamily="34" charset="0"/>
+              <a:buFont typeface="Arial" panose="020B0604020202020204" pitchFamily="34" charset="0"/>
               <a:buChar char="•"/>
               <a:defRPr kumimoji="0" lang="zh-CN" altLang="en-US" sz="1600" b="0" i="0" u="none" strike="noStrike" kern="1200" cap="none" spc="150" normalizeH="0" baseline="0" noProof="1" dirty="0">
                 <a:solidFill>
@@ -2080,7 +2084,7 @@
               <a:spcAft>
                 <a:spcPts val="1000"/>
               </a:spcAft>
-              <a:buFont typeface="Arial" panose="02080604020202020204" pitchFamily="34" charset="0"/>
+              <a:buFont typeface="Arial" panose="020B0604020202020204" pitchFamily="34" charset="0"/>
               <a:buChar char="•"/>
               <a:defRPr kumimoji="0" lang="zh-CN" altLang="en-US" sz="1600" b="0" i="0" u="none" strike="noStrike" kern="1200" cap="none" spc="150" normalizeH="0" baseline="0" noProof="1" dirty="0">
                 <a:solidFill>
@@ -2106,7 +2110,7 @@
               <a:spcAft>
                 <a:spcPts val="1000"/>
               </a:spcAft>
-              <a:buFont typeface="Arial" panose="02080604020202020204" pitchFamily="34" charset="0"/>
+              <a:buFont typeface="Arial" panose="020B0604020202020204" pitchFamily="34" charset="0"/>
               <a:buChar char="•"/>
               <a:tabLst>
                 <a:tab pos="1609725" algn="l"/>
@@ -2135,7 +2139,7 @@
               <a:spcAft>
                 <a:spcPts val="1000"/>
               </a:spcAft>
-              <a:buFont typeface="Arial" panose="02080604020202020204" pitchFamily="34" charset="0"/>
+              <a:buFont typeface="Arial" panose="020B0604020202020204" pitchFamily="34" charset="0"/>
               <a:buChar char="•"/>
               <a:defRPr kumimoji="0" lang="zh-CN" altLang="en-US" sz="1600" b="0" i="0" u="none" strike="noStrike" kern="1200" cap="none" spc="150" normalizeH="0" baseline="0" noProof="1" dirty="0">
                 <a:solidFill>
@@ -2161,7 +2165,7 @@
               <a:spcAft>
                 <a:spcPts val="1000"/>
               </a:spcAft>
-              <a:buFont typeface="Arial" panose="02080604020202020204" pitchFamily="34" charset="0"/>
+              <a:buFont typeface="Arial" panose="020B0604020202020204" pitchFamily="34" charset="0"/>
               <a:buChar char="•"/>
               <a:defRPr kumimoji="0" lang="zh-CN" altLang="en-US" sz="1600" b="0" i="0" u="none" strike="noStrike" kern="1200" cap="none" spc="150" normalizeH="0" baseline="0" noProof="1" dirty="0">
                 <a:solidFill>
@@ -2187,7 +2191,7 @@
               <a:spcAft>
                 <a:spcPts val="1000"/>
               </a:spcAft>
-              <a:buFont typeface="Arial" panose="02080604020202020204" pitchFamily="34" charset="0"/>
+              <a:buFont typeface="Arial" panose="020B0604020202020204" pitchFamily="34" charset="0"/>
               <a:buChar char="•"/>
               <a:defRPr kumimoji="0" lang="zh-CN" altLang="en-US" sz="1600" b="0" i="0" u="none" strike="noStrike" kern="1200" cap="none" spc="150" normalizeH="0" baseline="0" noProof="1" dirty="0">
                 <a:solidFill>
@@ -2651,7 +2655,7 @@
               <a:spcAft>
                 <a:spcPts val="1000"/>
               </a:spcAft>
-              <a:buFont typeface="Arial" panose="02080604020202020204" pitchFamily="34" charset="0"/>
+              <a:buFont typeface="Arial" panose="020B0604020202020204" pitchFamily="34" charset="0"/>
               <a:buChar char="•"/>
               <a:defRPr kumimoji="0" lang="zh-CN" altLang="en-US" sz="1600" b="0" i="0" u="none" strike="noStrike" kern="1200" cap="none" spc="150" normalizeH="0" baseline="0" noProof="1" dirty="0">
                 <a:solidFill>
@@ -2677,7 +2681,7 @@
               <a:spcAft>
                 <a:spcPts val="1000"/>
               </a:spcAft>
-              <a:buFont typeface="Arial" panose="02080604020202020204" pitchFamily="34" charset="0"/>
+              <a:buFont typeface="Arial" panose="020B0604020202020204" pitchFamily="34" charset="0"/>
               <a:buChar char="•"/>
               <a:tabLst>
                 <a:tab pos="1609725" algn="l"/>
@@ -2706,7 +2710,7 @@
               <a:spcAft>
                 <a:spcPts val="1000"/>
               </a:spcAft>
-              <a:buFont typeface="Arial" panose="02080604020202020204" pitchFamily="34" charset="0"/>
+              <a:buFont typeface="Arial" panose="020B0604020202020204" pitchFamily="34" charset="0"/>
               <a:buChar char="•"/>
               <a:defRPr kumimoji="0" lang="zh-CN" altLang="en-US" sz="1600" b="0" i="0" u="none" strike="noStrike" kern="1200" cap="none" spc="150" normalizeH="0" baseline="0" noProof="1" dirty="0">
                 <a:solidFill>
@@ -2732,7 +2736,7 @@
               <a:spcAft>
                 <a:spcPts val="1000"/>
               </a:spcAft>
-              <a:buFont typeface="Arial" panose="02080604020202020204" pitchFamily="34" charset="0"/>
+              <a:buFont typeface="Arial" panose="020B0604020202020204" pitchFamily="34" charset="0"/>
               <a:buChar char="•"/>
               <a:defRPr kumimoji="0" lang="zh-CN" altLang="en-US" sz="1600" b="0" i="0" u="none" strike="noStrike" kern="1200" cap="none" spc="150" normalizeH="0" baseline="0" noProof="1" dirty="0">
                 <a:solidFill>
@@ -2758,7 +2762,7 @@
               <a:spcAft>
                 <a:spcPts val="1000"/>
               </a:spcAft>
-              <a:buFont typeface="Arial" panose="02080604020202020204" pitchFamily="34" charset="0"/>
+              <a:buFont typeface="Arial" panose="020B0604020202020204" pitchFamily="34" charset="0"/>
               <a:buChar char="•"/>
               <a:defRPr kumimoji="0" lang="zh-CN" altLang="en-US" sz="1600" b="0" i="0" u="none" strike="noStrike" kern="1200" cap="none" spc="150" normalizeH="0" baseline="0" noProof="1" dirty="0">
                 <a:solidFill>
@@ -2871,7 +2875,7 @@
               <a:spcAft>
                 <a:spcPts val="0"/>
               </a:spcAft>
-              <a:buFont typeface="Arial" panose="02080604020202020204" pitchFamily="34" charset="0"/>
+              <a:buFont typeface="Arial" panose="020B0604020202020204" pitchFamily="34" charset="0"/>
               <a:buNone/>
               <a:defRPr kumimoji="0" lang="zh-CN" altLang="en-US" sz="2000" b="1" i="0" u="none" strike="noStrike" kern="1200" cap="none" spc="200" normalizeH="0" baseline="0" noProof="1" dirty="0">
                 <a:solidFill>
@@ -2965,7 +2969,7 @@
               <a:spcAft>
                 <a:spcPts val="1000"/>
               </a:spcAft>
-              <a:buFont typeface="Arial" panose="02080604020202020204" pitchFamily="34" charset="0"/>
+              <a:buFont typeface="Arial" panose="020B0604020202020204" pitchFamily="34" charset="0"/>
               <a:buChar char="•"/>
               <a:defRPr kumimoji="0" lang="zh-CN" altLang="en-US" sz="1600" b="0" i="0" u="none" strike="noStrike" kern="1200" cap="none" spc="150" normalizeH="0" baseline="0" noProof="1" dirty="0">
                 <a:solidFill>
@@ -2991,7 +2995,7 @@
               <a:spcAft>
                 <a:spcPts val="1000"/>
               </a:spcAft>
-              <a:buFont typeface="Arial" panose="02080604020202020204" pitchFamily="34" charset="0"/>
+              <a:buFont typeface="Arial" panose="020B0604020202020204" pitchFamily="34" charset="0"/>
               <a:buChar char="•"/>
               <a:tabLst>
                 <a:tab pos="1609725" algn="l"/>
@@ -3020,7 +3024,7 @@
               <a:spcAft>
                 <a:spcPts val="1000"/>
               </a:spcAft>
-              <a:buFont typeface="Arial" panose="02080604020202020204" pitchFamily="34" charset="0"/>
+              <a:buFont typeface="Arial" panose="020B0604020202020204" pitchFamily="34" charset="0"/>
               <a:buChar char="•"/>
               <a:defRPr kumimoji="0" lang="zh-CN" altLang="en-US" sz="1600" b="0" i="0" u="none" strike="noStrike" kern="1200" cap="none" spc="150" normalizeH="0" baseline="0" noProof="1" dirty="0">
                 <a:solidFill>
@@ -3046,7 +3050,7 @@
               <a:spcAft>
                 <a:spcPts val="1000"/>
               </a:spcAft>
-              <a:buFont typeface="Arial" panose="02080604020202020204" pitchFamily="34" charset="0"/>
+              <a:buFont typeface="Arial" panose="020B0604020202020204" pitchFamily="34" charset="0"/>
               <a:buChar char="•"/>
               <a:defRPr kumimoji="0" lang="zh-CN" altLang="en-US" sz="1600" b="0" i="0" u="none" strike="noStrike" kern="1200" cap="none" spc="150" normalizeH="0" baseline="0" noProof="1" dirty="0">
                 <a:solidFill>
@@ -3072,7 +3076,7 @@
               <a:spcAft>
                 <a:spcPts val="1000"/>
               </a:spcAft>
-              <a:buFont typeface="Arial" panose="02080604020202020204" pitchFamily="34" charset="0"/>
+              <a:buFont typeface="Arial" panose="020B0604020202020204" pitchFamily="34" charset="0"/>
               <a:buChar char="•"/>
               <a:defRPr kumimoji="0" lang="zh-CN" altLang="en-US" sz="1600" b="0" i="0" u="none" strike="noStrike" kern="1200" cap="none" spc="150" normalizeH="0" baseline="0" noProof="1" dirty="0">
                 <a:solidFill>
@@ -3526,7 +3530,7 @@
               <a:spcAft>
                 <a:spcPts val="1000"/>
               </a:spcAft>
-              <a:buFont typeface="Arial" panose="02080604020202020204" pitchFamily="34" charset="0"/>
+              <a:buFont typeface="Arial" panose="020B0604020202020204" pitchFamily="34" charset="0"/>
               <a:buNone/>
               <a:defRPr kumimoji="0" lang="zh-CN" altLang="en-US" sz="1600" b="0" i="0" u="none" strike="noStrike" kern="1200" cap="none" spc="150" normalizeH="0" baseline="0" noProof="1" dirty="0">
                 <a:solidFill>
@@ -3552,7 +3556,7 @@
               <a:spcAft>
                 <a:spcPts val="1000"/>
               </a:spcAft>
-              <a:buFont typeface="Arial" panose="02080604020202020204" pitchFamily="34" charset="0"/>
+              <a:buFont typeface="Arial" panose="020B0604020202020204" pitchFamily="34" charset="0"/>
               <a:buChar char="•"/>
               <a:tabLst>
                 <a:tab pos="1609725" algn="l"/>
@@ -3578,7 +3582,7 @@
               <a:spcAft>
                 <a:spcPts val="1000"/>
               </a:spcAft>
-              <a:buFont typeface="Arial" panose="02080604020202020204" pitchFamily="34" charset="0"/>
+              <a:buFont typeface="Arial" panose="020B0604020202020204" pitchFamily="34" charset="0"/>
               <a:buChar char="•"/>
               <a:defRPr kumimoji="0" lang="zh-CN" altLang="en-US" sz="1600" b="0" i="0" u="none" strike="noStrike" kern="1200" cap="none" spc="150" normalizeH="0" baseline="0" noProof="1" dirty="0">
                 <a:solidFill>
@@ -3601,7 +3605,7 @@
               <a:spcAft>
                 <a:spcPts val="1000"/>
               </a:spcAft>
-              <a:buFont typeface="Arial" panose="02080604020202020204" pitchFamily="34" charset="0"/>
+              <a:buFont typeface="Arial" panose="020B0604020202020204" pitchFamily="34" charset="0"/>
               <a:buChar char="•"/>
               <a:defRPr kumimoji="0" lang="zh-CN" altLang="en-US" sz="1600" b="0" i="0" u="none" strike="noStrike" kern="1200" cap="none" spc="150" normalizeH="0" baseline="0" noProof="1" dirty="0">
                 <a:solidFill>
@@ -3624,7 +3628,7 @@
               <a:spcAft>
                 <a:spcPts val="1000"/>
               </a:spcAft>
-              <a:buFont typeface="Arial" panose="02080604020202020204" pitchFamily="34" charset="0"/>
+              <a:buFont typeface="Arial" panose="020B0604020202020204" pitchFamily="34" charset="0"/>
               <a:buChar char="•"/>
               <a:defRPr kumimoji="0" lang="zh-CN" altLang="en-US" sz="1600" b="0" i="0" u="none" strike="noStrike" kern="1200" cap="none" spc="150" normalizeH="0" baseline="0" noProof="1" dirty="0">
                 <a:solidFill>
@@ -3680,7 +3684,7 @@
               <a:spcAft>
                 <a:spcPts val="1000"/>
               </a:spcAft>
-              <a:buFont typeface="Arial" panose="02080604020202020204" pitchFamily="34" charset="0"/>
+              <a:buFont typeface="Arial" panose="020B0604020202020204" pitchFamily="34" charset="0"/>
               <a:buChar char="•"/>
               <a:defRPr kumimoji="0" lang="zh-CN" altLang="en-US" sz="1600" b="0" i="0" u="none" strike="noStrike" kern="1200" cap="none" spc="150" normalizeH="0" baseline="0" noProof="1" dirty="0">
                 <a:solidFill>
@@ -4439,7 +4443,7 @@
         <a:spcAft>
           <a:spcPts val="1000"/>
         </a:spcAft>
-        <a:buFont typeface="Arial" panose="02080604020202020204" pitchFamily="34" charset="0"/>
+        <a:buFont typeface="Arial" panose="020B0604020202020204" pitchFamily="34" charset="0"/>
         <a:buChar char="•"/>
         <a:defRPr sz="1600" u="none" strike="noStrike" kern="1200" cap="none" spc="150" normalizeH="0" baseline="0">
           <a:solidFill>
@@ -4461,7 +4465,7 @@
         <a:spcAft>
           <a:spcPts val="1000"/>
         </a:spcAft>
-        <a:buFont typeface="Arial" panose="02080604020202020204" pitchFamily="34" charset="0"/>
+        <a:buFont typeface="Arial" panose="020B0604020202020204" pitchFamily="34" charset="0"/>
         <a:buChar char="•"/>
         <a:tabLst>
           <a:tab pos="1609725" algn="l"/>
@@ -4486,7 +4490,7 @@
         <a:spcAft>
           <a:spcPts val="1000"/>
         </a:spcAft>
-        <a:buFont typeface="Arial" panose="02080604020202020204" pitchFamily="34" charset="0"/>
+        <a:buFont typeface="Arial" panose="020B0604020202020204" pitchFamily="34" charset="0"/>
         <a:buChar char="•"/>
         <a:defRPr sz="1600" u="none" strike="noStrike" kern="1200" cap="none" spc="150" normalizeH="0" baseline="0">
           <a:solidFill>
@@ -4508,7 +4512,7 @@
         <a:spcAft>
           <a:spcPts val="1000"/>
         </a:spcAft>
-        <a:buFont typeface="Arial" panose="02080604020202020204" pitchFamily="34" charset="0"/>
+        <a:buFont typeface="Arial" panose="020B0604020202020204" pitchFamily="34" charset="0"/>
         <a:buChar char="•"/>
         <a:defRPr sz="1600" u="none" strike="noStrike" kern="1200" cap="none" spc="150" normalizeH="0" baseline="0">
           <a:solidFill>
@@ -4530,7 +4534,7 @@
         <a:spcAft>
           <a:spcPts val="1000"/>
         </a:spcAft>
-        <a:buFont typeface="Arial" panose="02080604020202020204" pitchFamily="34" charset="0"/>
+        <a:buFont typeface="Arial" panose="020B0604020202020204" pitchFamily="34" charset="0"/>
         <a:buChar char="•"/>
         <a:defRPr sz="1600" u="none" strike="noStrike" kern="1200" cap="none" spc="150" normalizeH="0" baseline="0">
           <a:solidFill>
@@ -4549,7 +4553,7 @@
         <a:spcBef>
           <a:spcPts val="500"/>
         </a:spcBef>
-        <a:buFont typeface="Arial" panose="02080604020202020204" pitchFamily="34" charset="0"/>
+        <a:buFont typeface="Arial" panose="020B0604020202020204" pitchFamily="34" charset="0"/>
         <a:buChar char="•"/>
         <a:defRPr sz="1800" kern="1200">
           <a:solidFill>
@@ -4567,7 +4571,7 @@
         <a:spcBef>
           <a:spcPts val="500"/>
         </a:spcBef>
-        <a:buFont typeface="Arial" panose="02080604020202020204" pitchFamily="34" charset="0"/>
+        <a:buFont typeface="Arial" panose="020B0604020202020204" pitchFamily="34" charset="0"/>
         <a:buChar char="•"/>
         <a:defRPr sz="1800" kern="1200">
           <a:solidFill>
@@ -4585,7 +4589,7 @@
         <a:spcBef>
           <a:spcPts val="500"/>
         </a:spcBef>
-        <a:buFont typeface="Arial" panose="02080604020202020204" pitchFamily="34" charset="0"/>
+        <a:buFont typeface="Arial" panose="020B0604020202020204" pitchFamily="34" charset="0"/>
         <a:buChar char="•"/>
         <a:defRPr sz="1800" kern="1200">
           <a:solidFill>
@@ -4603,7 +4607,7 @@
         <a:spcBef>
           <a:spcPts val="500"/>
         </a:spcBef>
-        <a:buFont typeface="Arial" panose="02080604020202020204" pitchFamily="34" charset="0"/>
+        <a:buFont typeface="Arial" panose="020B0604020202020204" pitchFamily="34" charset="0"/>
         <a:buChar char="•"/>
         <a:defRPr sz="1800" kern="1200">
           <a:solidFill>
@@ -4864,6 +4868,160 @@
         <p:nvPr/>
       </p:nvGrpSpPr>
       <p:grpSpPr/>
+      <p:pic>
+        <p:nvPicPr>
+          <p:cNvPr id="2" name="图片 1"/>
+          <p:cNvPicPr>
+            <a:picLocks noChangeAspect="1"/>
+          </p:cNvPicPr>
+          <p:nvPr/>
+        </p:nvPicPr>
+        <p:blipFill>
+          <a:blip r:embed="rId1"/>
+          <a:stretch>
+            <a:fillRect/>
+          </a:stretch>
+        </p:blipFill>
+        <p:spPr>
+          <a:xfrm>
+            <a:off x="773430" y="2246630"/>
+            <a:ext cx="4048125" cy="1533525"/>
+          </a:xfrm>
+          <a:prstGeom prst="rect">
+            <a:avLst/>
+          </a:prstGeom>
+        </p:spPr>
+      </p:pic>
+      <p:grpSp>
+        <p:nvGrpSpPr>
+          <p:cNvPr id="145" name="成组"/>
+          <p:cNvGrpSpPr/>
+          <p:nvPr/>
+        </p:nvGrpSpPr>
+        <p:grpSpPr>
+          <a:xfrm>
+            <a:off x="218440" y="6068060"/>
+            <a:ext cx="11770360" cy="507365"/>
+            <a:chOff x="0" y="0"/>
+            <a:chExt cx="8546862" cy="373626"/>
+          </a:xfrm>
+        </p:grpSpPr>
+        <p:pic>
+          <p:nvPicPr>
+            <p:cNvPr id="143" name="image3.png" descr="image3.png"/>
+            <p:cNvPicPr>
+              <a:picLocks noChangeAspect="1"/>
+            </p:cNvPicPr>
+            <p:nvPr/>
+          </p:nvPicPr>
+          <p:blipFill>
+            <a:blip r:embed="rId2"/>
+            <a:stretch>
+              <a:fillRect/>
+            </a:stretch>
+          </p:blipFill>
+          <p:spPr>
+            <a:xfrm>
+              <a:off x="0" y="326525"/>
+              <a:ext cx="7929004" cy="47101"/>
+            </a:xfrm>
+            <a:prstGeom prst="rect">
+              <a:avLst/>
+            </a:prstGeom>
+            <a:ln w="12700" cap="flat">
+              <a:noFill/>
+              <a:miter lim="400000"/>
+              <a:headEnd/>
+              <a:tailEnd/>
+            </a:ln>
+            <a:effectLst/>
+          </p:spPr>
+        </p:pic>
+        <p:pic>
+          <p:nvPicPr>
+            <p:cNvPr id="144" name="贝贝 logo.png" descr="贝贝 logo.png"/>
+            <p:cNvPicPr>
+              <a:picLocks noChangeAspect="1"/>
+            </p:cNvPicPr>
+            <p:nvPr/>
+          </p:nvPicPr>
+          <p:blipFill>
+            <a:blip r:embed="rId3"/>
+            <a:stretch>
+              <a:fillRect/>
+            </a:stretch>
+          </p:blipFill>
+          <p:spPr>
+            <a:xfrm>
+              <a:off x="8031797" y="-1"/>
+              <a:ext cx="515066" cy="373627"/>
+            </a:xfrm>
+            <a:prstGeom prst="rect">
+              <a:avLst/>
+            </a:prstGeom>
+            <a:ln w="12700" cap="flat">
+              <a:noFill/>
+              <a:miter lim="400000"/>
+              <a:headEnd/>
+              <a:tailEnd/>
+            </a:ln>
+            <a:effectLst/>
+          </p:spPr>
+        </p:pic>
+      </p:grpSp>
+      <p:sp>
+        <p:nvSpPr>
+          <p:cNvPr id="8" name="文本框 7"/>
+          <p:cNvSpPr txBox="1"/>
+          <p:nvPr/>
+        </p:nvSpPr>
+        <p:spPr>
+          <a:xfrm>
+            <a:off x="218440" y="6068060"/>
+            <a:ext cx="5861050" cy="368300"/>
+          </a:xfrm>
+          <a:prstGeom prst="rect">
+            <a:avLst/>
+          </a:prstGeom>
+          <a:noFill/>
+        </p:spPr>
+        <p:txBody>
+          <a:bodyPr wrap="square" rtlCol="0">
+            <a:spAutoFit/>
+          </a:bodyPr>
+          <a:p>
+            <a:r>
+              <a:rPr lang="zh-CN" altLang="en-US"/>
+              <a:t>用观察者来实现刚才的故事</a:t>
+            </a:r>
+            <a:endParaRPr lang="zh-CN" altLang="en-US"/>
+          </a:p>
+        </p:txBody>
+      </p:sp>
+      <p:pic>
+        <p:nvPicPr>
+          <p:cNvPr id="3" name="图片 2"/>
+          <p:cNvPicPr>
+            <a:picLocks noChangeAspect="1"/>
+          </p:cNvPicPr>
+          <p:nvPr/>
+        </p:nvPicPr>
+        <p:blipFill>
+          <a:blip r:embed="rId4"/>
+          <a:stretch>
+            <a:fillRect/>
+          </a:stretch>
+        </p:blipFill>
+        <p:spPr>
+          <a:xfrm>
+            <a:off x="5693410" y="130175"/>
+            <a:ext cx="4714875" cy="6162675"/>
+          </a:xfrm>
+          <a:prstGeom prst="rect">
+            <a:avLst/>
+          </a:prstGeom>
+        </p:spPr>
+      </p:pic>
     </p:spTree>
   </p:cSld>
   <p:clrMapOvr>
@@ -4882,6 +5040,160 @@
         <p:nvPr/>
       </p:nvGrpSpPr>
       <p:grpSpPr/>
+      <p:grpSp>
+        <p:nvGrpSpPr>
+          <p:cNvPr id="145" name="成组"/>
+          <p:cNvGrpSpPr/>
+          <p:nvPr/>
+        </p:nvGrpSpPr>
+        <p:grpSpPr>
+          <a:xfrm>
+            <a:off x="218440" y="6068060"/>
+            <a:ext cx="11770360" cy="507365"/>
+            <a:chOff x="0" y="0"/>
+            <a:chExt cx="8546862" cy="373626"/>
+          </a:xfrm>
+        </p:grpSpPr>
+        <p:pic>
+          <p:nvPicPr>
+            <p:cNvPr id="143" name="image3.png" descr="image3.png"/>
+            <p:cNvPicPr>
+              <a:picLocks noChangeAspect="1"/>
+            </p:cNvPicPr>
+            <p:nvPr/>
+          </p:nvPicPr>
+          <p:blipFill>
+            <a:blip r:embed="rId1"/>
+            <a:stretch>
+              <a:fillRect/>
+            </a:stretch>
+          </p:blipFill>
+          <p:spPr>
+            <a:xfrm>
+              <a:off x="0" y="326525"/>
+              <a:ext cx="7929004" cy="47101"/>
+            </a:xfrm>
+            <a:prstGeom prst="rect">
+              <a:avLst/>
+            </a:prstGeom>
+            <a:ln w="12700" cap="flat">
+              <a:noFill/>
+              <a:miter lim="400000"/>
+              <a:headEnd/>
+              <a:tailEnd/>
+            </a:ln>
+            <a:effectLst/>
+          </p:spPr>
+        </p:pic>
+        <p:pic>
+          <p:nvPicPr>
+            <p:cNvPr id="144" name="贝贝 logo.png" descr="贝贝 logo.png"/>
+            <p:cNvPicPr>
+              <a:picLocks noChangeAspect="1"/>
+            </p:cNvPicPr>
+            <p:nvPr/>
+          </p:nvPicPr>
+          <p:blipFill>
+            <a:blip r:embed="rId2"/>
+            <a:stretch>
+              <a:fillRect/>
+            </a:stretch>
+          </p:blipFill>
+          <p:spPr>
+            <a:xfrm>
+              <a:off x="8031797" y="-1"/>
+              <a:ext cx="515066" cy="373627"/>
+            </a:xfrm>
+            <a:prstGeom prst="rect">
+              <a:avLst/>
+            </a:prstGeom>
+            <a:ln w="12700" cap="flat">
+              <a:noFill/>
+              <a:miter lim="400000"/>
+              <a:headEnd/>
+              <a:tailEnd/>
+            </a:ln>
+            <a:effectLst/>
+          </p:spPr>
+        </p:pic>
+      </p:grpSp>
+      <p:sp>
+        <p:nvSpPr>
+          <p:cNvPr id="8" name="文本框 7"/>
+          <p:cNvSpPr txBox="1"/>
+          <p:nvPr/>
+        </p:nvSpPr>
+        <p:spPr>
+          <a:xfrm>
+            <a:off x="218440" y="6068060"/>
+            <a:ext cx="5861050" cy="368300"/>
+          </a:xfrm>
+          <a:prstGeom prst="rect">
+            <a:avLst/>
+          </a:prstGeom>
+          <a:noFill/>
+        </p:spPr>
+        <p:txBody>
+          <a:bodyPr wrap="square" rtlCol="0">
+            <a:spAutoFit/>
+          </a:bodyPr>
+          <a:p>
+            <a:r>
+              <a:rPr lang="zh-CN" altLang="en-US"/>
+              <a:t>用观察者来实现刚才的故事</a:t>
+            </a:r>
+            <a:endParaRPr lang="zh-CN" altLang="en-US"/>
+          </a:p>
+        </p:txBody>
+      </p:sp>
+      <p:pic>
+        <p:nvPicPr>
+          <p:cNvPr id="2" name="图片 1"/>
+          <p:cNvPicPr>
+            <a:picLocks noChangeAspect="1"/>
+          </p:cNvPicPr>
+          <p:nvPr/>
+        </p:nvPicPr>
+        <p:blipFill>
+          <a:blip r:embed="rId3"/>
+          <a:stretch>
+            <a:fillRect/>
+          </a:stretch>
+        </p:blipFill>
+        <p:spPr>
+          <a:xfrm>
+            <a:off x="453390" y="975995"/>
+            <a:ext cx="5391150" cy="2352675"/>
+          </a:xfrm>
+          <a:prstGeom prst="rect">
+            <a:avLst/>
+          </a:prstGeom>
+        </p:spPr>
+      </p:pic>
+      <p:pic>
+        <p:nvPicPr>
+          <p:cNvPr id="3" name="图片 2"/>
+          <p:cNvPicPr>
+            <a:picLocks noChangeAspect="1"/>
+          </p:cNvPicPr>
+          <p:nvPr/>
+        </p:nvPicPr>
+        <p:blipFill>
+          <a:blip r:embed="rId4"/>
+          <a:stretch>
+            <a:fillRect/>
+          </a:stretch>
+        </p:blipFill>
+        <p:spPr>
+          <a:xfrm>
+            <a:off x="4057650" y="4365625"/>
+            <a:ext cx="6572250" cy="904875"/>
+          </a:xfrm>
+          <a:prstGeom prst="rect">
+            <a:avLst/>
+          </a:prstGeom>
+        </p:spPr>
+      </p:pic>
     </p:spTree>
   </p:cSld>
   <p:clrMapOvr>
@@ -4891,6 +5203,900 @@
 </file>
 
 <file path=ppt/slides/slide12.xml><?xml version="1.0" encoding="utf-8"?>
+<p:sld xmlns:a="http://schemas.openxmlformats.org/drawingml/2006/main" xmlns:r="http://schemas.openxmlformats.org/officeDocument/2006/relationships" xmlns:p="http://schemas.openxmlformats.org/presentationml/2006/main">
+  <p:cSld>
+    <p:spTree>
+      <p:nvGrpSpPr>
+        <p:cNvPr id="1" name=""/>
+        <p:cNvGrpSpPr/>
+        <p:nvPr/>
+      </p:nvGrpSpPr>
+      <p:grpSpPr/>
+      <p:sp>
+        <p:nvSpPr>
+          <p:cNvPr id="2" name="文本框 1"/>
+          <p:cNvSpPr txBox="1"/>
+          <p:nvPr/>
+        </p:nvSpPr>
+        <p:spPr>
+          <a:xfrm>
+            <a:off x="1885950" y="2090420"/>
+            <a:ext cx="8420100" cy="2676525"/>
+          </a:xfrm>
+          <a:prstGeom prst="rect">
+            <a:avLst/>
+          </a:prstGeom>
+          <a:noFill/>
+        </p:spPr>
+        <p:txBody>
+          <a:bodyPr wrap="square" rtlCol="0">
+            <a:spAutoFit/>
+          </a:bodyPr>
+          <a:p>
+            <a:r>
+              <a:rPr lang="zh-CN" altLang="en-US" sz="2400"/>
+              <a:t>这样一来之前的两个问题都解决了</a:t>
+            </a:r>
+            <a:endParaRPr lang="zh-CN" altLang="en-US" sz="2400"/>
+          </a:p>
+          <a:p>
+            <a:endParaRPr lang="zh-CN" altLang="en-US" sz="2400"/>
+          </a:p>
+          <a:p>
+            <a:endParaRPr lang="zh-CN" altLang="en-US" sz="2400"/>
+          </a:p>
+          <a:p>
+            <a:r>
+              <a:rPr lang="en-US" altLang="zh-CN" sz="2400"/>
+              <a:t>1.</a:t>
+            </a:r>
+            <a:r>
+              <a:rPr lang="zh-CN" altLang="en-US" sz="2400"/>
+              <a:t>女神只要维护一个队列就可以，不需要知道具体是谁喜欢她</a:t>
+            </a:r>
+            <a:endParaRPr lang="zh-CN" altLang="en-US" sz="2400"/>
+          </a:p>
+          <a:p>
+            <a:endParaRPr lang="zh-CN" altLang="en-US" sz="2400"/>
+          </a:p>
+          <a:p>
+            <a:endParaRPr lang="zh-CN" altLang="en-US" sz="2400"/>
+          </a:p>
+          <a:p>
+            <a:r>
+              <a:rPr lang="en-US" altLang="zh-CN" sz="2400"/>
+              <a:t>2.</a:t>
+            </a:r>
+            <a:r>
+              <a:rPr lang="zh-CN" altLang="en-US" sz="2400"/>
+              <a:t>队列是男孩自己主动加入的，不需要让女神知道</a:t>
+            </a:r>
+            <a:endParaRPr lang="zh-CN" altLang="en-US" sz="2400"/>
+          </a:p>
+        </p:txBody>
+      </p:sp>
+      <p:grpSp>
+        <p:nvGrpSpPr>
+          <p:cNvPr id="145" name="成组"/>
+          <p:cNvGrpSpPr/>
+          <p:nvPr/>
+        </p:nvGrpSpPr>
+        <p:grpSpPr>
+          <a:xfrm>
+            <a:off x="218440" y="6068060"/>
+            <a:ext cx="11770360" cy="507365"/>
+            <a:chOff x="0" y="0"/>
+            <a:chExt cx="8546862" cy="373626"/>
+          </a:xfrm>
+        </p:grpSpPr>
+        <p:pic>
+          <p:nvPicPr>
+            <p:cNvPr id="143" name="image3.png" descr="image3.png"/>
+            <p:cNvPicPr>
+              <a:picLocks noChangeAspect="1"/>
+            </p:cNvPicPr>
+            <p:nvPr/>
+          </p:nvPicPr>
+          <p:blipFill>
+            <a:blip r:embed="rId1"/>
+            <a:stretch>
+              <a:fillRect/>
+            </a:stretch>
+          </p:blipFill>
+          <p:spPr>
+            <a:xfrm>
+              <a:off x="0" y="326525"/>
+              <a:ext cx="7929004" cy="47101"/>
+            </a:xfrm>
+            <a:prstGeom prst="rect">
+              <a:avLst/>
+            </a:prstGeom>
+            <a:ln w="12700" cap="flat">
+              <a:noFill/>
+              <a:miter lim="400000"/>
+              <a:headEnd/>
+              <a:tailEnd/>
+            </a:ln>
+            <a:effectLst/>
+          </p:spPr>
+        </p:pic>
+        <p:pic>
+          <p:nvPicPr>
+            <p:cNvPr id="144" name="贝贝 logo.png" descr="贝贝 logo.png"/>
+            <p:cNvPicPr>
+              <a:picLocks noChangeAspect="1"/>
+            </p:cNvPicPr>
+            <p:nvPr/>
+          </p:nvPicPr>
+          <p:blipFill>
+            <a:blip r:embed="rId2"/>
+            <a:stretch>
+              <a:fillRect/>
+            </a:stretch>
+          </p:blipFill>
+          <p:spPr>
+            <a:xfrm>
+              <a:off x="8031797" y="-1"/>
+              <a:ext cx="515066" cy="373627"/>
+            </a:xfrm>
+            <a:prstGeom prst="rect">
+              <a:avLst/>
+            </a:prstGeom>
+            <a:ln w="12700" cap="flat">
+              <a:noFill/>
+              <a:miter lim="400000"/>
+              <a:headEnd/>
+              <a:tailEnd/>
+            </a:ln>
+            <a:effectLst/>
+          </p:spPr>
+        </p:pic>
+      </p:grpSp>
+      <p:sp>
+        <p:nvSpPr>
+          <p:cNvPr id="8" name="文本框 7"/>
+          <p:cNvSpPr txBox="1"/>
+          <p:nvPr/>
+        </p:nvSpPr>
+        <p:spPr>
+          <a:xfrm>
+            <a:off x="218440" y="6068060"/>
+            <a:ext cx="5861050" cy="368300"/>
+          </a:xfrm>
+          <a:prstGeom prst="rect">
+            <a:avLst/>
+          </a:prstGeom>
+          <a:noFill/>
+        </p:spPr>
+        <p:txBody>
+          <a:bodyPr wrap="square" rtlCol="0">
+            <a:spAutoFit/>
+          </a:bodyPr>
+          <a:p>
+            <a:r>
+              <a:rPr lang="zh-CN" altLang="en-US"/>
+              <a:t>解决掉的问题</a:t>
+            </a:r>
+            <a:endParaRPr lang="zh-CN" altLang="en-US"/>
+          </a:p>
+        </p:txBody>
+      </p:sp>
+    </p:spTree>
+  </p:cSld>
+  <p:clrMapOvr>
+    <a:masterClrMapping/>
+  </p:clrMapOvr>
+</p:sld>
+</file>
+
+<file path=ppt/slides/slide13.xml><?xml version="1.0" encoding="utf-8"?>
+<p:sld xmlns:a="http://schemas.openxmlformats.org/drawingml/2006/main" xmlns:r="http://schemas.openxmlformats.org/officeDocument/2006/relationships" xmlns:p="http://schemas.openxmlformats.org/presentationml/2006/main">
+  <p:cSld>
+    <p:spTree>
+      <p:nvGrpSpPr>
+        <p:cNvPr id="1" name=""/>
+        <p:cNvGrpSpPr/>
+        <p:nvPr/>
+      </p:nvGrpSpPr>
+      <p:grpSpPr/>
+      <p:grpSp>
+        <p:nvGrpSpPr>
+          <p:cNvPr id="145" name="成组"/>
+          <p:cNvGrpSpPr/>
+          <p:nvPr/>
+        </p:nvGrpSpPr>
+        <p:grpSpPr>
+          <a:xfrm>
+            <a:off x="218440" y="6068060"/>
+            <a:ext cx="11770360" cy="507365"/>
+            <a:chOff x="0" y="0"/>
+            <a:chExt cx="8546862" cy="373626"/>
+          </a:xfrm>
+        </p:grpSpPr>
+        <p:pic>
+          <p:nvPicPr>
+            <p:cNvPr id="143" name="image3.png" descr="image3.png"/>
+            <p:cNvPicPr>
+              <a:picLocks noChangeAspect="1"/>
+            </p:cNvPicPr>
+            <p:nvPr/>
+          </p:nvPicPr>
+          <p:blipFill>
+            <a:blip r:embed="rId1"/>
+            <a:stretch>
+              <a:fillRect/>
+            </a:stretch>
+          </p:blipFill>
+          <p:spPr>
+            <a:xfrm>
+              <a:off x="0" y="326525"/>
+              <a:ext cx="7929004" cy="47101"/>
+            </a:xfrm>
+            <a:prstGeom prst="rect">
+              <a:avLst/>
+            </a:prstGeom>
+            <a:ln w="12700" cap="flat">
+              <a:noFill/>
+              <a:miter lim="400000"/>
+              <a:headEnd/>
+              <a:tailEnd/>
+            </a:ln>
+            <a:effectLst/>
+          </p:spPr>
+        </p:pic>
+        <p:pic>
+          <p:nvPicPr>
+            <p:cNvPr id="144" name="贝贝 logo.png" descr="贝贝 logo.png"/>
+            <p:cNvPicPr>
+              <a:picLocks noChangeAspect="1"/>
+            </p:cNvPicPr>
+            <p:nvPr/>
+          </p:nvPicPr>
+          <p:blipFill>
+            <a:blip r:embed="rId2"/>
+            <a:stretch>
+              <a:fillRect/>
+            </a:stretch>
+          </p:blipFill>
+          <p:spPr>
+            <a:xfrm>
+              <a:off x="8031797" y="-1"/>
+              <a:ext cx="515066" cy="373627"/>
+            </a:xfrm>
+            <a:prstGeom prst="rect">
+              <a:avLst/>
+            </a:prstGeom>
+            <a:ln w="12700" cap="flat">
+              <a:noFill/>
+              <a:miter lim="400000"/>
+              <a:headEnd/>
+              <a:tailEnd/>
+            </a:ln>
+            <a:effectLst/>
+          </p:spPr>
+        </p:pic>
+      </p:grpSp>
+      <p:sp>
+        <p:nvSpPr>
+          <p:cNvPr id="8" name="文本框 7"/>
+          <p:cNvSpPr txBox="1"/>
+          <p:nvPr/>
+        </p:nvSpPr>
+        <p:spPr>
+          <a:xfrm>
+            <a:off x="218440" y="6068060"/>
+            <a:ext cx="5861050" cy="368300"/>
+          </a:xfrm>
+          <a:prstGeom prst="rect">
+            <a:avLst/>
+          </a:prstGeom>
+          <a:noFill/>
+        </p:spPr>
+        <p:txBody>
+          <a:bodyPr wrap="square" rtlCol="0">
+            <a:spAutoFit/>
+          </a:bodyPr>
+          <a:p>
+            <a:r>
+              <a:rPr lang="zh-CN" altLang="en-US"/>
+              <a:t>推</a:t>
+            </a:r>
+            <a:r>
+              <a:rPr lang="en-US" altLang="zh-CN"/>
+              <a:t>(push)</a:t>
+            </a:r>
+            <a:r>
+              <a:rPr lang="zh-CN" altLang="en-US"/>
+              <a:t>模式，拉</a:t>
+            </a:r>
+            <a:r>
+              <a:rPr lang="en-US" altLang="zh-CN"/>
+              <a:t>(pull)</a:t>
+            </a:r>
+            <a:r>
+              <a:rPr lang="zh-CN" altLang="en-US"/>
+              <a:t>模式</a:t>
+            </a:r>
+            <a:endParaRPr lang="zh-CN" altLang="en-US"/>
+          </a:p>
+        </p:txBody>
+      </p:sp>
+      <p:sp>
+        <p:nvSpPr>
+          <p:cNvPr id="3" name="文本框 2"/>
+          <p:cNvSpPr txBox="1"/>
+          <p:nvPr/>
+        </p:nvSpPr>
+        <p:spPr>
+          <a:xfrm>
+            <a:off x="2468880" y="3199130"/>
+            <a:ext cx="6417945" cy="460375"/>
+          </a:xfrm>
+          <a:prstGeom prst="rect">
+            <a:avLst/>
+          </a:prstGeom>
+          <a:noFill/>
+        </p:spPr>
+        <p:txBody>
+          <a:bodyPr wrap="square" rtlCol="0">
+            <a:spAutoFit/>
+          </a:bodyPr>
+          <a:p>
+            <a:r>
+              <a:rPr lang="zh-CN" altLang="en-US" sz="2400"/>
+              <a:t>观察者模式还分为推</a:t>
+            </a:r>
+            <a:r>
+              <a:rPr lang="en-US" altLang="zh-CN" sz="2400"/>
+              <a:t>(push)</a:t>
+            </a:r>
+            <a:r>
+              <a:rPr lang="zh-CN" altLang="en-US" sz="2400"/>
+              <a:t>模式和拉</a:t>
+            </a:r>
+            <a:r>
+              <a:rPr lang="en-US" altLang="zh-CN" sz="2400"/>
+              <a:t>(pull)</a:t>
+            </a:r>
+            <a:r>
+              <a:rPr lang="zh-CN" altLang="en-US" sz="2400"/>
+              <a:t>模式</a:t>
+            </a:r>
+            <a:endParaRPr lang="zh-CN" altLang="en-US" sz="2400"/>
+          </a:p>
+        </p:txBody>
+      </p:sp>
+    </p:spTree>
+  </p:cSld>
+  <p:clrMapOvr>
+    <a:masterClrMapping/>
+  </p:clrMapOvr>
+</p:sld>
+</file>
+
+<file path=ppt/slides/slide14.xml><?xml version="1.0" encoding="utf-8"?>
+<p:sld xmlns:a="http://schemas.openxmlformats.org/drawingml/2006/main" xmlns:r="http://schemas.openxmlformats.org/officeDocument/2006/relationships" xmlns:p="http://schemas.openxmlformats.org/presentationml/2006/main">
+  <p:cSld>
+    <p:spTree>
+      <p:nvGrpSpPr>
+        <p:cNvPr id="1" name=""/>
+        <p:cNvGrpSpPr/>
+        <p:nvPr/>
+      </p:nvGrpSpPr>
+      <p:grpSpPr/>
+      <p:grpSp>
+        <p:nvGrpSpPr>
+          <p:cNvPr id="145" name="成组"/>
+          <p:cNvGrpSpPr/>
+          <p:nvPr/>
+        </p:nvGrpSpPr>
+        <p:grpSpPr>
+          <a:xfrm>
+            <a:off x="218440" y="6068060"/>
+            <a:ext cx="11770360" cy="507365"/>
+            <a:chOff x="0" y="0"/>
+            <a:chExt cx="8546862" cy="373626"/>
+          </a:xfrm>
+        </p:grpSpPr>
+        <p:pic>
+          <p:nvPicPr>
+            <p:cNvPr id="143" name="image3.png" descr="image3.png"/>
+            <p:cNvPicPr>
+              <a:picLocks noChangeAspect="1"/>
+            </p:cNvPicPr>
+            <p:nvPr/>
+          </p:nvPicPr>
+          <p:blipFill>
+            <a:blip r:embed="rId1"/>
+            <a:stretch>
+              <a:fillRect/>
+            </a:stretch>
+          </p:blipFill>
+          <p:spPr>
+            <a:xfrm>
+              <a:off x="0" y="326525"/>
+              <a:ext cx="7929004" cy="47101"/>
+            </a:xfrm>
+            <a:prstGeom prst="rect">
+              <a:avLst/>
+            </a:prstGeom>
+            <a:ln w="12700" cap="flat">
+              <a:noFill/>
+              <a:miter lim="400000"/>
+              <a:headEnd/>
+              <a:tailEnd/>
+            </a:ln>
+            <a:effectLst/>
+          </p:spPr>
+        </p:pic>
+        <p:pic>
+          <p:nvPicPr>
+            <p:cNvPr id="144" name="贝贝 logo.png" descr="贝贝 logo.png"/>
+            <p:cNvPicPr>
+              <a:picLocks noChangeAspect="1"/>
+            </p:cNvPicPr>
+            <p:nvPr/>
+          </p:nvPicPr>
+          <p:blipFill>
+            <a:blip r:embed="rId2"/>
+            <a:stretch>
+              <a:fillRect/>
+            </a:stretch>
+          </p:blipFill>
+          <p:spPr>
+            <a:xfrm>
+              <a:off x="8031797" y="-1"/>
+              <a:ext cx="515066" cy="373627"/>
+            </a:xfrm>
+            <a:prstGeom prst="rect">
+              <a:avLst/>
+            </a:prstGeom>
+            <a:ln w="12700" cap="flat">
+              <a:noFill/>
+              <a:miter lim="400000"/>
+              <a:headEnd/>
+              <a:tailEnd/>
+            </a:ln>
+            <a:effectLst/>
+          </p:spPr>
+        </p:pic>
+      </p:grpSp>
+      <p:sp>
+        <p:nvSpPr>
+          <p:cNvPr id="8" name="文本框 7"/>
+          <p:cNvSpPr txBox="1"/>
+          <p:nvPr/>
+        </p:nvSpPr>
+        <p:spPr>
+          <a:xfrm>
+            <a:off x="218440" y="6068060"/>
+            <a:ext cx="5861050" cy="368300"/>
+          </a:xfrm>
+          <a:prstGeom prst="rect">
+            <a:avLst/>
+          </a:prstGeom>
+          <a:noFill/>
+        </p:spPr>
+        <p:txBody>
+          <a:bodyPr wrap="square" rtlCol="0">
+            <a:spAutoFit/>
+          </a:bodyPr>
+          <a:p>
+            <a:r>
+              <a:rPr lang="zh-CN" altLang="en-US"/>
+              <a:t>推</a:t>
+            </a:r>
+            <a:r>
+              <a:rPr lang="en-US" altLang="zh-CN"/>
+              <a:t>(push)</a:t>
+            </a:r>
+            <a:r>
+              <a:rPr lang="zh-CN" altLang="en-US"/>
+              <a:t>模式</a:t>
+            </a:r>
+            <a:endParaRPr lang="zh-CN" altLang="en-US"/>
+          </a:p>
+        </p:txBody>
+      </p:sp>
+      <p:sp>
+        <p:nvSpPr>
+          <p:cNvPr id="2" name="文本框 1"/>
+          <p:cNvSpPr txBox="1"/>
+          <p:nvPr/>
+        </p:nvSpPr>
+        <p:spPr>
+          <a:xfrm>
+            <a:off x="802640" y="635635"/>
+            <a:ext cx="10603865" cy="1568450"/>
+          </a:xfrm>
+          <a:prstGeom prst="rect">
+            <a:avLst/>
+          </a:prstGeom>
+          <a:noFill/>
+        </p:spPr>
+        <p:txBody>
+          <a:bodyPr wrap="square" rtlCol="0">
+            <a:spAutoFit/>
+          </a:bodyPr>
+          <a:p>
+            <a:r>
+              <a:rPr lang="zh-CN" altLang="en-US" sz="2400"/>
+              <a:t>女神如果比较</a:t>
+            </a:r>
+            <a:r>
+              <a:rPr lang="en-US" altLang="zh-CN" sz="2400"/>
+              <a:t>“</a:t>
+            </a:r>
+            <a:r>
+              <a:rPr lang="zh-CN" altLang="en-US" sz="2400"/>
+              <a:t>明学</a:t>
+            </a:r>
+            <a:r>
+              <a:rPr lang="en-US" altLang="zh-CN" sz="2400"/>
+              <a:t>”</a:t>
+            </a:r>
+            <a:r>
+              <a:rPr lang="zh-CN" altLang="en-US" sz="2400"/>
+              <a:t>：</a:t>
+            </a:r>
+            <a:r>
+              <a:rPr lang="zh-CN" altLang="en-US" sz="2400">
+                <a:sym typeface="+mn-ea"/>
+              </a:rPr>
+              <a:t>我不要你觉得，我要我觉得，我给你看什么你就看什么。</a:t>
+            </a:r>
+            <a:endParaRPr lang="zh-CN" altLang="en-US" sz="2400">
+              <a:sym typeface="+mn-ea"/>
+            </a:endParaRPr>
+          </a:p>
+          <a:p>
+            <a:endParaRPr lang="zh-CN" altLang="en-US" sz="2400">
+              <a:sym typeface="+mn-ea"/>
+            </a:endParaRPr>
+          </a:p>
+          <a:p>
+            <a:r>
+              <a:rPr lang="zh-CN" altLang="en-US" sz="2400">
+                <a:sym typeface="+mn-ea"/>
+              </a:rPr>
+              <a:t>男生没有选择余地，女神只让你看朋友圈发的一条信息，那你就只能看这条信息，微博和</a:t>
+            </a:r>
+            <a:r>
+              <a:rPr lang="en-US" altLang="zh-CN" sz="2400">
+                <a:sym typeface="+mn-ea"/>
+              </a:rPr>
+              <a:t>QQ</a:t>
+            </a:r>
+            <a:r>
+              <a:rPr lang="zh-CN" altLang="en-US" sz="2400">
+                <a:sym typeface="+mn-ea"/>
+              </a:rPr>
+              <a:t>空间的看不到，那这就是推模式。</a:t>
+            </a:r>
+            <a:endParaRPr lang="en-US" altLang="zh-CN" sz="2400">
+              <a:sym typeface="+mn-ea"/>
+            </a:endParaRPr>
+          </a:p>
+        </p:txBody>
+      </p:sp>
+      <p:pic>
+        <p:nvPicPr>
+          <p:cNvPr id="3" name="图片 2"/>
+          <p:cNvPicPr>
+            <a:picLocks noChangeAspect="1"/>
+          </p:cNvPicPr>
+          <p:nvPr/>
+        </p:nvPicPr>
+        <p:blipFill>
+          <a:blip r:embed="rId3"/>
+          <a:stretch>
+            <a:fillRect/>
+          </a:stretch>
+        </p:blipFill>
+        <p:spPr>
+          <a:xfrm>
+            <a:off x="1000760" y="2572385"/>
+            <a:ext cx="3819525" cy="1504950"/>
+          </a:xfrm>
+          <a:prstGeom prst="rect">
+            <a:avLst/>
+          </a:prstGeom>
+        </p:spPr>
+      </p:pic>
+      <p:pic>
+        <p:nvPicPr>
+          <p:cNvPr id="4" name="图片 3"/>
+          <p:cNvPicPr>
+            <a:picLocks noChangeAspect="1"/>
+          </p:cNvPicPr>
+          <p:nvPr/>
+        </p:nvPicPr>
+        <p:blipFill>
+          <a:blip r:embed="rId4"/>
+          <a:stretch>
+            <a:fillRect/>
+          </a:stretch>
+        </p:blipFill>
+        <p:spPr>
+          <a:xfrm>
+            <a:off x="7260590" y="3043555"/>
+            <a:ext cx="2981325" cy="771525"/>
+          </a:xfrm>
+          <a:prstGeom prst="rect">
+            <a:avLst/>
+          </a:prstGeom>
+        </p:spPr>
+      </p:pic>
+    </p:spTree>
+  </p:cSld>
+  <p:clrMapOvr>
+    <a:masterClrMapping/>
+  </p:clrMapOvr>
+</p:sld>
+</file>
+
+<file path=ppt/slides/slide15.xml><?xml version="1.0" encoding="utf-8"?>
+<p:sld xmlns:a="http://schemas.openxmlformats.org/drawingml/2006/main" xmlns:r="http://schemas.openxmlformats.org/officeDocument/2006/relationships" xmlns:p="http://schemas.openxmlformats.org/presentationml/2006/main">
+  <p:cSld>
+    <p:spTree>
+      <p:nvGrpSpPr>
+        <p:cNvPr id="1" name=""/>
+        <p:cNvGrpSpPr/>
+        <p:nvPr/>
+      </p:nvGrpSpPr>
+      <p:grpSpPr/>
+      <p:grpSp>
+        <p:nvGrpSpPr>
+          <p:cNvPr id="145" name="成组"/>
+          <p:cNvGrpSpPr/>
+          <p:nvPr/>
+        </p:nvGrpSpPr>
+        <p:grpSpPr>
+          <a:xfrm>
+            <a:off x="218440" y="6068060"/>
+            <a:ext cx="11770360" cy="507365"/>
+            <a:chOff x="0" y="0"/>
+            <a:chExt cx="8546862" cy="373626"/>
+          </a:xfrm>
+        </p:grpSpPr>
+        <p:pic>
+          <p:nvPicPr>
+            <p:cNvPr id="143" name="image3.png" descr="image3.png"/>
+            <p:cNvPicPr>
+              <a:picLocks noChangeAspect="1"/>
+            </p:cNvPicPr>
+            <p:nvPr/>
+          </p:nvPicPr>
+          <p:blipFill>
+            <a:blip r:embed="rId1"/>
+            <a:stretch>
+              <a:fillRect/>
+            </a:stretch>
+          </p:blipFill>
+          <p:spPr>
+            <a:xfrm>
+              <a:off x="0" y="326525"/>
+              <a:ext cx="7929004" cy="47101"/>
+            </a:xfrm>
+            <a:prstGeom prst="rect">
+              <a:avLst/>
+            </a:prstGeom>
+            <a:ln w="12700" cap="flat">
+              <a:noFill/>
+              <a:miter lim="400000"/>
+              <a:headEnd/>
+              <a:tailEnd/>
+            </a:ln>
+            <a:effectLst/>
+          </p:spPr>
+        </p:pic>
+        <p:pic>
+          <p:nvPicPr>
+            <p:cNvPr id="144" name="贝贝 logo.png" descr="贝贝 logo.png"/>
+            <p:cNvPicPr>
+              <a:picLocks noChangeAspect="1"/>
+            </p:cNvPicPr>
+            <p:nvPr/>
+          </p:nvPicPr>
+          <p:blipFill>
+            <a:blip r:embed="rId2"/>
+            <a:stretch>
+              <a:fillRect/>
+            </a:stretch>
+          </p:blipFill>
+          <p:spPr>
+            <a:xfrm>
+              <a:off x="8031797" y="-1"/>
+              <a:ext cx="515066" cy="373627"/>
+            </a:xfrm>
+            <a:prstGeom prst="rect">
+              <a:avLst/>
+            </a:prstGeom>
+            <a:ln w="12700" cap="flat">
+              <a:noFill/>
+              <a:miter lim="400000"/>
+              <a:headEnd/>
+              <a:tailEnd/>
+            </a:ln>
+            <a:effectLst/>
+          </p:spPr>
+        </p:pic>
+      </p:grpSp>
+      <p:sp>
+        <p:nvSpPr>
+          <p:cNvPr id="8" name="文本框 7"/>
+          <p:cNvSpPr txBox="1"/>
+          <p:nvPr/>
+        </p:nvSpPr>
+        <p:spPr>
+          <a:xfrm>
+            <a:off x="218440" y="6068060"/>
+            <a:ext cx="5861050" cy="368300"/>
+          </a:xfrm>
+          <a:prstGeom prst="rect">
+            <a:avLst/>
+          </a:prstGeom>
+          <a:noFill/>
+        </p:spPr>
+        <p:txBody>
+          <a:bodyPr wrap="square" rtlCol="0">
+            <a:spAutoFit/>
+          </a:bodyPr>
+          <a:p>
+            <a:r>
+              <a:rPr lang="zh-CN" altLang="en-US">
+                <a:sym typeface="+mn-ea"/>
+              </a:rPr>
+              <a:t>拉</a:t>
+            </a:r>
+            <a:r>
+              <a:rPr lang="en-US" altLang="zh-CN">
+                <a:sym typeface="+mn-ea"/>
+              </a:rPr>
+              <a:t>(pull)</a:t>
+            </a:r>
+            <a:r>
+              <a:rPr lang="zh-CN" altLang="en-US">
+                <a:sym typeface="+mn-ea"/>
+              </a:rPr>
+              <a:t>模式</a:t>
+            </a:r>
+            <a:endParaRPr lang="zh-CN" altLang="en-US"/>
+          </a:p>
+        </p:txBody>
+      </p:sp>
+      <p:sp>
+        <p:nvSpPr>
+          <p:cNvPr id="2" name="文本框 1"/>
+          <p:cNvSpPr txBox="1"/>
+          <p:nvPr/>
+        </p:nvSpPr>
+        <p:spPr>
+          <a:xfrm>
+            <a:off x="802640" y="635635"/>
+            <a:ext cx="10603865" cy="1568450"/>
+          </a:xfrm>
+          <a:prstGeom prst="rect">
+            <a:avLst/>
+          </a:prstGeom>
+          <a:noFill/>
+        </p:spPr>
+        <p:txBody>
+          <a:bodyPr wrap="square" rtlCol="0">
+            <a:spAutoFit/>
+          </a:bodyPr>
+          <a:p>
+            <a:r>
+              <a:rPr lang="zh-CN" altLang="en-US" sz="2400"/>
+              <a:t>女神如果比较</a:t>
+            </a:r>
+            <a:r>
+              <a:rPr lang="en-US" altLang="zh-CN" sz="2400"/>
+              <a:t>“</a:t>
+            </a:r>
+            <a:r>
+              <a:rPr lang="zh-CN" altLang="en-US" sz="2400"/>
+              <a:t>开放</a:t>
+            </a:r>
+            <a:r>
+              <a:rPr lang="en-US" altLang="zh-CN" sz="2400"/>
+              <a:t>”</a:t>
+            </a:r>
+            <a:r>
+              <a:rPr lang="zh-CN" altLang="en-US" sz="2400"/>
+              <a:t>：我的</a:t>
+            </a:r>
+            <a:r>
+              <a:rPr lang="zh-CN" altLang="en-US" sz="2400">
+                <a:sym typeface="+mn-ea"/>
+              </a:rPr>
+              <a:t>朋友圈、微博、空间全部可见，你想看什么看什么</a:t>
+            </a:r>
+            <a:r>
+              <a:rPr lang="zh-CN" altLang="en-US" sz="2400">
+                <a:sym typeface="+mn-ea"/>
+              </a:rPr>
+              <a:t>。</a:t>
+            </a:r>
+            <a:endParaRPr lang="zh-CN" altLang="en-US" sz="2400">
+              <a:sym typeface="+mn-ea"/>
+            </a:endParaRPr>
+          </a:p>
+          <a:p>
+            <a:endParaRPr lang="zh-CN" altLang="en-US" sz="2400">
+              <a:sym typeface="+mn-ea"/>
+            </a:endParaRPr>
+          </a:p>
+          <a:p>
+            <a:r>
+              <a:rPr lang="zh-CN" altLang="en-US" sz="2400">
+                <a:sym typeface="+mn-ea"/>
+              </a:rPr>
+              <a:t>男生可以自己通过女神这个对象，去获取自己想要的女生状态，那这就是拉模式</a:t>
+            </a:r>
+            <a:endParaRPr lang="en-US" altLang="zh-CN" sz="2400">
+              <a:sym typeface="+mn-ea"/>
+            </a:endParaRPr>
+          </a:p>
+        </p:txBody>
+      </p:sp>
+      <p:pic>
+        <p:nvPicPr>
+          <p:cNvPr id="3" name="图片 2"/>
+          <p:cNvPicPr>
+            <a:picLocks noChangeAspect="1"/>
+          </p:cNvPicPr>
+          <p:nvPr/>
+        </p:nvPicPr>
+        <p:blipFill>
+          <a:blip r:embed="rId3"/>
+          <a:stretch>
+            <a:fillRect/>
+          </a:stretch>
+        </p:blipFill>
+        <p:spPr>
+          <a:xfrm>
+            <a:off x="802640" y="3157855"/>
+            <a:ext cx="4152900" cy="1600200"/>
+          </a:xfrm>
+          <a:prstGeom prst="rect">
+            <a:avLst/>
+          </a:prstGeom>
+        </p:spPr>
+      </p:pic>
+      <p:pic>
+        <p:nvPicPr>
+          <p:cNvPr id="4" name="图片 3"/>
+          <p:cNvPicPr>
+            <a:picLocks noChangeAspect="1"/>
+          </p:cNvPicPr>
+          <p:nvPr/>
+        </p:nvPicPr>
+        <p:blipFill>
+          <a:blip r:embed="rId4"/>
+          <a:stretch>
+            <a:fillRect/>
+          </a:stretch>
+        </p:blipFill>
+        <p:spPr>
+          <a:xfrm>
+            <a:off x="7188835" y="3648075"/>
+            <a:ext cx="3486150" cy="771525"/>
+          </a:xfrm>
+          <a:prstGeom prst="rect">
+            <a:avLst/>
+          </a:prstGeom>
+        </p:spPr>
+      </p:pic>
+    </p:spTree>
+  </p:cSld>
+  <p:clrMapOvr>
+    <a:masterClrMapping/>
+  </p:clrMapOvr>
+</p:sld>
+</file>
+
+<file path=ppt/slides/slide16.xml><?xml version="1.0" encoding="utf-8"?>
 <p:sld xmlns:a="http://schemas.openxmlformats.org/drawingml/2006/main" xmlns:r="http://schemas.openxmlformats.org/officeDocument/2006/relationships" xmlns:p="http://schemas.openxmlformats.org/presentationml/2006/main">
   <p:cSld>
     <p:bg>
@@ -6582,7 +7788,7 @@
       </p:sp>
       <p:pic>
         <p:nvPicPr>
-          <p:cNvPr id="2" name="图片 1"/>
+          <p:cNvPr id="4" name="图片 3"/>
           <p:cNvPicPr>
             <a:picLocks noChangeAspect="1"/>
           </p:cNvPicPr>
@@ -6596,8 +7802,8 @@
         </p:blipFill>
         <p:spPr>
           <a:xfrm>
-            <a:off x="2287905" y="1475740"/>
-            <a:ext cx="7616190" cy="4614545"/>
+            <a:off x="2319655" y="1496060"/>
+            <a:ext cx="7286625" cy="4572000"/>
           </a:xfrm>
           <a:prstGeom prst="rect">
             <a:avLst/>
@@ -6735,6 +7941,126 @@
           </a:p>
         </p:txBody>
       </p:sp>
+      <p:pic>
+        <p:nvPicPr>
+          <p:cNvPr id="2" name="图片 1"/>
+          <p:cNvPicPr>
+            <a:picLocks noChangeAspect="1"/>
+          </p:cNvPicPr>
+          <p:nvPr/>
+        </p:nvPicPr>
+        <p:blipFill>
+          <a:blip r:embed="rId3"/>
+          <a:stretch>
+            <a:fillRect/>
+          </a:stretch>
+        </p:blipFill>
+        <p:spPr>
+          <a:xfrm>
+            <a:off x="935990" y="1405890"/>
+            <a:ext cx="2209800" cy="1304925"/>
+          </a:xfrm>
+          <a:prstGeom prst="rect">
+            <a:avLst/>
+          </a:prstGeom>
+        </p:spPr>
+      </p:pic>
+      <p:pic>
+        <p:nvPicPr>
+          <p:cNvPr id="3" name="图片 2"/>
+          <p:cNvPicPr>
+            <a:picLocks noChangeAspect="1"/>
+          </p:cNvPicPr>
+          <p:nvPr/>
+        </p:nvPicPr>
+        <p:blipFill>
+          <a:blip r:embed="rId4"/>
+          <a:stretch>
+            <a:fillRect/>
+          </a:stretch>
+        </p:blipFill>
+        <p:spPr>
+          <a:xfrm>
+            <a:off x="583565" y="3618865"/>
+            <a:ext cx="2914650" cy="752475"/>
+          </a:xfrm>
+          <a:prstGeom prst="rect">
+            <a:avLst/>
+          </a:prstGeom>
+        </p:spPr>
+      </p:pic>
+      <p:pic>
+        <p:nvPicPr>
+          <p:cNvPr id="4" name="图片 3"/>
+          <p:cNvPicPr>
+            <a:picLocks noChangeAspect="1"/>
+          </p:cNvPicPr>
+          <p:nvPr/>
+        </p:nvPicPr>
+        <p:blipFill>
+          <a:blip r:embed="rId5"/>
+          <a:stretch>
+            <a:fillRect/>
+          </a:stretch>
+        </p:blipFill>
+        <p:spPr>
+          <a:xfrm>
+            <a:off x="3716655" y="287655"/>
+            <a:ext cx="6169660" cy="2719705"/>
+          </a:xfrm>
+          <a:prstGeom prst="rect">
+            <a:avLst/>
+          </a:prstGeom>
+        </p:spPr>
+      </p:pic>
+      <p:pic>
+        <p:nvPicPr>
+          <p:cNvPr id="6" name="图片 5"/>
+          <p:cNvPicPr>
+            <a:picLocks noChangeAspect="1"/>
+          </p:cNvPicPr>
+          <p:nvPr/>
+        </p:nvPicPr>
+        <p:blipFill>
+          <a:blip r:embed="rId6"/>
+          <a:stretch>
+            <a:fillRect/>
+          </a:stretch>
+        </p:blipFill>
+        <p:spPr>
+          <a:xfrm>
+            <a:off x="3716655" y="3307080"/>
+            <a:ext cx="5739130" cy="2760345"/>
+          </a:xfrm>
+          <a:prstGeom prst="rect">
+            <a:avLst/>
+          </a:prstGeom>
+        </p:spPr>
+      </p:pic>
+      <p:pic>
+        <p:nvPicPr>
+          <p:cNvPr id="5" name="图片 4"/>
+          <p:cNvPicPr>
+            <a:picLocks noChangeAspect="1"/>
+          </p:cNvPicPr>
+          <p:nvPr/>
+        </p:nvPicPr>
+        <p:blipFill>
+          <a:blip r:embed="rId7"/>
+          <a:stretch>
+            <a:fillRect/>
+          </a:stretch>
+        </p:blipFill>
+        <p:spPr>
+          <a:xfrm>
+            <a:off x="7071995" y="1605280"/>
+            <a:ext cx="5044440" cy="2851150"/>
+          </a:xfrm>
+          <a:prstGeom prst="rect">
+            <a:avLst/>
+          </a:prstGeom>
+        </p:spPr>
+      </p:pic>
     </p:spTree>
   </p:cSld>
   <p:clrMapOvr>

--- a/ppt/设计模式_观察者模式_卢建至.pptx
+++ b/ppt/设计模式_观察者模式_卢建至.pptx
@@ -1438,7 +1438,7 @@
               <a:spcAft>
                 <a:spcPts val="1000"/>
               </a:spcAft>
-              <a:buFont typeface="Arial" panose="020B0604020202020204" pitchFamily="34" charset="0"/>
+              <a:buFont typeface="Arial" panose="02080604020202020204" pitchFamily="34" charset="0"/>
               <a:buChar char="•"/>
               <a:defRPr kumimoji="0" lang="zh-CN" altLang="en-US" sz="1600" b="0" i="0" u="none" strike="noStrike" kern="1200" cap="none" spc="150" normalizeH="0" baseline="0" noProof="1" dirty="0">
                 <a:solidFill>
@@ -1464,7 +1464,7 @@
               <a:spcAft>
                 <a:spcPts val="1000"/>
               </a:spcAft>
-              <a:buFont typeface="Arial" panose="020B0604020202020204" pitchFamily="34" charset="0"/>
+              <a:buFont typeface="Arial" panose="02080604020202020204" pitchFamily="34" charset="0"/>
               <a:buChar char="•"/>
               <a:tabLst>
                 <a:tab pos="1609725" algn="l"/>
@@ -1493,7 +1493,7 @@
               <a:spcAft>
                 <a:spcPts val="1000"/>
               </a:spcAft>
-              <a:buFont typeface="Arial" panose="020B0604020202020204" pitchFamily="34" charset="0"/>
+              <a:buFont typeface="Arial" panose="02080604020202020204" pitchFamily="34" charset="0"/>
               <a:buChar char="•"/>
               <a:defRPr kumimoji="0" lang="zh-CN" altLang="en-US" sz="1600" b="0" i="0" u="none" strike="noStrike" kern="1200" cap="none" spc="150" normalizeH="0" baseline="0" noProof="1" dirty="0">
                 <a:solidFill>
@@ -1519,7 +1519,7 @@
               <a:spcAft>
                 <a:spcPts val="1000"/>
               </a:spcAft>
-              <a:buFont typeface="Arial" panose="020B0604020202020204" pitchFamily="34" charset="0"/>
+              <a:buFont typeface="Arial" panose="02080604020202020204" pitchFamily="34" charset="0"/>
               <a:buChar char="•"/>
               <a:defRPr kumimoji="0" lang="zh-CN" altLang="en-US" sz="1600" b="0" i="0" u="none" strike="noStrike" kern="1200" cap="none" spc="150" normalizeH="0" baseline="0" noProof="1" dirty="0">
                 <a:solidFill>
@@ -1545,7 +1545,7 @@
               <a:spcAft>
                 <a:spcPts val="1000"/>
               </a:spcAft>
-              <a:buFont typeface="Arial" panose="020B0604020202020204" pitchFamily="34" charset="0"/>
+              <a:buFont typeface="Arial" panose="02080604020202020204" pitchFamily="34" charset="0"/>
               <a:buChar char="•"/>
               <a:defRPr kumimoji="0" lang="zh-CN" altLang="en-US" sz="1600" b="0" i="0" u="none" strike="noStrike" kern="1200" cap="none" spc="150" normalizeH="0" baseline="0" noProof="1" dirty="0">
                 <a:solidFill>
@@ -2084,7 +2084,7 @@
               <a:spcAft>
                 <a:spcPts val="1000"/>
               </a:spcAft>
-              <a:buFont typeface="Arial" panose="020B0604020202020204" pitchFamily="34" charset="0"/>
+              <a:buFont typeface="Arial" panose="02080604020202020204" pitchFamily="34" charset="0"/>
               <a:buChar char="•"/>
               <a:defRPr kumimoji="0" lang="zh-CN" altLang="en-US" sz="1600" b="0" i="0" u="none" strike="noStrike" kern="1200" cap="none" spc="150" normalizeH="0" baseline="0" noProof="1" dirty="0">
                 <a:solidFill>
@@ -2110,7 +2110,7 @@
               <a:spcAft>
                 <a:spcPts val="1000"/>
               </a:spcAft>
-              <a:buFont typeface="Arial" panose="020B0604020202020204" pitchFamily="34" charset="0"/>
+              <a:buFont typeface="Arial" panose="02080604020202020204" pitchFamily="34" charset="0"/>
               <a:buChar char="•"/>
               <a:tabLst>
                 <a:tab pos="1609725" algn="l"/>
@@ -2139,7 +2139,7 @@
               <a:spcAft>
                 <a:spcPts val="1000"/>
               </a:spcAft>
-              <a:buFont typeface="Arial" panose="020B0604020202020204" pitchFamily="34" charset="0"/>
+              <a:buFont typeface="Arial" panose="02080604020202020204" pitchFamily="34" charset="0"/>
               <a:buChar char="•"/>
               <a:defRPr kumimoji="0" lang="zh-CN" altLang="en-US" sz="1600" b="0" i="0" u="none" strike="noStrike" kern="1200" cap="none" spc="150" normalizeH="0" baseline="0" noProof="1" dirty="0">
                 <a:solidFill>
@@ -2165,7 +2165,7 @@
               <a:spcAft>
                 <a:spcPts val="1000"/>
               </a:spcAft>
-              <a:buFont typeface="Arial" panose="020B0604020202020204" pitchFamily="34" charset="0"/>
+              <a:buFont typeface="Arial" panose="02080604020202020204" pitchFamily="34" charset="0"/>
               <a:buChar char="•"/>
               <a:defRPr kumimoji="0" lang="zh-CN" altLang="en-US" sz="1600" b="0" i="0" u="none" strike="noStrike" kern="1200" cap="none" spc="150" normalizeH="0" baseline="0" noProof="1" dirty="0">
                 <a:solidFill>
@@ -2191,7 +2191,7 @@
               <a:spcAft>
                 <a:spcPts val="1000"/>
               </a:spcAft>
-              <a:buFont typeface="Arial" panose="020B0604020202020204" pitchFamily="34" charset="0"/>
+              <a:buFont typeface="Arial" panose="02080604020202020204" pitchFamily="34" charset="0"/>
               <a:buChar char="•"/>
               <a:defRPr kumimoji="0" lang="zh-CN" altLang="en-US" sz="1600" b="0" i="0" u="none" strike="noStrike" kern="1200" cap="none" spc="150" normalizeH="0" baseline="0" noProof="1" dirty="0">
                 <a:solidFill>
@@ -2655,7 +2655,7 @@
               <a:spcAft>
                 <a:spcPts val="1000"/>
               </a:spcAft>
-              <a:buFont typeface="Arial" panose="020B0604020202020204" pitchFamily="34" charset="0"/>
+              <a:buFont typeface="Arial" panose="02080604020202020204" pitchFamily="34" charset="0"/>
               <a:buChar char="•"/>
               <a:defRPr kumimoji="0" lang="zh-CN" altLang="en-US" sz="1600" b="0" i="0" u="none" strike="noStrike" kern="1200" cap="none" spc="150" normalizeH="0" baseline="0" noProof="1" dirty="0">
                 <a:solidFill>
@@ -2681,7 +2681,7 @@
               <a:spcAft>
                 <a:spcPts val="1000"/>
               </a:spcAft>
-              <a:buFont typeface="Arial" panose="020B0604020202020204" pitchFamily="34" charset="0"/>
+              <a:buFont typeface="Arial" panose="02080604020202020204" pitchFamily="34" charset="0"/>
               <a:buChar char="•"/>
               <a:tabLst>
                 <a:tab pos="1609725" algn="l"/>
@@ -2710,7 +2710,7 @@
               <a:spcAft>
                 <a:spcPts val="1000"/>
               </a:spcAft>
-              <a:buFont typeface="Arial" panose="020B0604020202020204" pitchFamily="34" charset="0"/>
+              <a:buFont typeface="Arial" panose="02080604020202020204" pitchFamily="34" charset="0"/>
               <a:buChar char="•"/>
               <a:defRPr kumimoji="0" lang="zh-CN" altLang="en-US" sz="1600" b="0" i="0" u="none" strike="noStrike" kern="1200" cap="none" spc="150" normalizeH="0" baseline="0" noProof="1" dirty="0">
                 <a:solidFill>
@@ -2736,7 +2736,7 @@
               <a:spcAft>
                 <a:spcPts val="1000"/>
               </a:spcAft>
-              <a:buFont typeface="Arial" panose="020B0604020202020204" pitchFamily="34" charset="0"/>
+              <a:buFont typeface="Arial" panose="02080604020202020204" pitchFamily="34" charset="0"/>
               <a:buChar char="•"/>
               <a:defRPr kumimoji="0" lang="zh-CN" altLang="en-US" sz="1600" b="0" i="0" u="none" strike="noStrike" kern="1200" cap="none" spc="150" normalizeH="0" baseline="0" noProof="1" dirty="0">
                 <a:solidFill>
@@ -2762,7 +2762,7 @@
               <a:spcAft>
                 <a:spcPts val="1000"/>
               </a:spcAft>
-              <a:buFont typeface="Arial" panose="020B0604020202020204" pitchFamily="34" charset="0"/>
+              <a:buFont typeface="Arial" panose="02080604020202020204" pitchFamily="34" charset="0"/>
               <a:buChar char="•"/>
               <a:defRPr kumimoji="0" lang="zh-CN" altLang="en-US" sz="1600" b="0" i="0" u="none" strike="noStrike" kern="1200" cap="none" spc="150" normalizeH="0" baseline="0" noProof="1" dirty="0">
                 <a:solidFill>
@@ -2875,7 +2875,7 @@
               <a:spcAft>
                 <a:spcPts val="0"/>
               </a:spcAft>
-              <a:buFont typeface="Arial" panose="020B0604020202020204" pitchFamily="34" charset="0"/>
+              <a:buFont typeface="Arial" panose="02080604020202020204" pitchFamily="34" charset="0"/>
               <a:buNone/>
               <a:defRPr kumimoji="0" lang="zh-CN" altLang="en-US" sz="2000" b="1" i="0" u="none" strike="noStrike" kern="1200" cap="none" spc="200" normalizeH="0" baseline="0" noProof="1" dirty="0">
                 <a:solidFill>
@@ -2969,7 +2969,7 @@
               <a:spcAft>
                 <a:spcPts val="1000"/>
               </a:spcAft>
-              <a:buFont typeface="Arial" panose="020B0604020202020204" pitchFamily="34" charset="0"/>
+              <a:buFont typeface="Arial" panose="02080604020202020204" pitchFamily="34" charset="0"/>
               <a:buChar char="•"/>
               <a:defRPr kumimoji="0" lang="zh-CN" altLang="en-US" sz="1600" b="0" i="0" u="none" strike="noStrike" kern="1200" cap="none" spc="150" normalizeH="0" baseline="0" noProof="1" dirty="0">
                 <a:solidFill>
@@ -2995,7 +2995,7 @@
               <a:spcAft>
                 <a:spcPts val="1000"/>
               </a:spcAft>
-              <a:buFont typeface="Arial" panose="020B0604020202020204" pitchFamily="34" charset="0"/>
+              <a:buFont typeface="Arial" panose="02080604020202020204" pitchFamily="34" charset="0"/>
               <a:buChar char="•"/>
               <a:tabLst>
                 <a:tab pos="1609725" algn="l"/>
@@ -3024,7 +3024,7 @@
               <a:spcAft>
                 <a:spcPts val="1000"/>
               </a:spcAft>
-              <a:buFont typeface="Arial" panose="020B0604020202020204" pitchFamily="34" charset="0"/>
+              <a:buFont typeface="Arial" panose="02080604020202020204" pitchFamily="34" charset="0"/>
               <a:buChar char="•"/>
               <a:defRPr kumimoji="0" lang="zh-CN" altLang="en-US" sz="1600" b="0" i="0" u="none" strike="noStrike" kern="1200" cap="none" spc="150" normalizeH="0" baseline="0" noProof="1" dirty="0">
                 <a:solidFill>
@@ -3050,7 +3050,7 @@
               <a:spcAft>
                 <a:spcPts val="1000"/>
               </a:spcAft>
-              <a:buFont typeface="Arial" panose="020B0604020202020204" pitchFamily="34" charset="0"/>
+              <a:buFont typeface="Arial" panose="02080604020202020204" pitchFamily="34" charset="0"/>
               <a:buChar char="•"/>
               <a:defRPr kumimoji="0" lang="zh-CN" altLang="en-US" sz="1600" b="0" i="0" u="none" strike="noStrike" kern="1200" cap="none" spc="150" normalizeH="0" baseline="0" noProof="1" dirty="0">
                 <a:solidFill>
@@ -3076,7 +3076,7 @@
               <a:spcAft>
                 <a:spcPts val="1000"/>
               </a:spcAft>
-              <a:buFont typeface="Arial" panose="020B0604020202020204" pitchFamily="34" charset="0"/>
+              <a:buFont typeface="Arial" panose="02080604020202020204" pitchFamily="34" charset="0"/>
               <a:buChar char="•"/>
               <a:defRPr kumimoji="0" lang="zh-CN" altLang="en-US" sz="1600" b="0" i="0" u="none" strike="noStrike" kern="1200" cap="none" spc="150" normalizeH="0" baseline="0" noProof="1" dirty="0">
                 <a:solidFill>
@@ -3530,7 +3530,7 @@
               <a:spcAft>
                 <a:spcPts val="1000"/>
               </a:spcAft>
-              <a:buFont typeface="Arial" panose="020B0604020202020204" pitchFamily="34" charset="0"/>
+              <a:buFont typeface="Arial" panose="02080604020202020204" pitchFamily="34" charset="0"/>
               <a:buNone/>
               <a:defRPr kumimoji="0" lang="zh-CN" altLang="en-US" sz="1600" b="0" i="0" u="none" strike="noStrike" kern="1200" cap="none" spc="150" normalizeH="0" baseline="0" noProof="1" dirty="0">
                 <a:solidFill>
@@ -3556,7 +3556,7 @@
               <a:spcAft>
                 <a:spcPts val="1000"/>
               </a:spcAft>
-              <a:buFont typeface="Arial" panose="020B0604020202020204" pitchFamily="34" charset="0"/>
+              <a:buFont typeface="Arial" panose="02080604020202020204" pitchFamily="34" charset="0"/>
               <a:buChar char="•"/>
               <a:tabLst>
                 <a:tab pos="1609725" algn="l"/>
@@ -3582,7 +3582,7 @@
               <a:spcAft>
                 <a:spcPts val="1000"/>
               </a:spcAft>
-              <a:buFont typeface="Arial" panose="020B0604020202020204" pitchFamily="34" charset="0"/>
+              <a:buFont typeface="Arial" panose="02080604020202020204" pitchFamily="34" charset="0"/>
               <a:buChar char="•"/>
               <a:defRPr kumimoji="0" lang="zh-CN" altLang="en-US" sz="1600" b="0" i="0" u="none" strike="noStrike" kern="1200" cap="none" spc="150" normalizeH="0" baseline="0" noProof="1" dirty="0">
                 <a:solidFill>
@@ -3605,7 +3605,7 @@
               <a:spcAft>
                 <a:spcPts val="1000"/>
               </a:spcAft>
-              <a:buFont typeface="Arial" panose="020B0604020202020204" pitchFamily="34" charset="0"/>
+              <a:buFont typeface="Arial" panose="02080604020202020204" pitchFamily="34" charset="0"/>
               <a:buChar char="•"/>
               <a:defRPr kumimoji="0" lang="zh-CN" altLang="en-US" sz="1600" b="0" i="0" u="none" strike="noStrike" kern="1200" cap="none" spc="150" normalizeH="0" baseline="0" noProof="1" dirty="0">
                 <a:solidFill>
@@ -3628,7 +3628,7 @@
               <a:spcAft>
                 <a:spcPts val="1000"/>
               </a:spcAft>
-              <a:buFont typeface="Arial" panose="020B0604020202020204" pitchFamily="34" charset="0"/>
+              <a:buFont typeface="Arial" panose="02080604020202020204" pitchFamily="34" charset="0"/>
               <a:buChar char="•"/>
               <a:defRPr kumimoji="0" lang="zh-CN" altLang="en-US" sz="1600" b="0" i="0" u="none" strike="noStrike" kern="1200" cap="none" spc="150" normalizeH="0" baseline="0" noProof="1" dirty="0">
                 <a:solidFill>
@@ -3684,7 +3684,7 @@
               <a:spcAft>
                 <a:spcPts val="1000"/>
               </a:spcAft>
-              <a:buFont typeface="Arial" panose="020B0604020202020204" pitchFamily="34" charset="0"/>
+              <a:buFont typeface="Arial" panose="02080604020202020204" pitchFamily="34" charset="0"/>
               <a:buChar char="•"/>
               <a:defRPr kumimoji="0" lang="zh-CN" altLang="en-US" sz="1600" b="0" i="0" u="none" strike="noStrike" kern="1200" cap="none" spc="150" normalizeH="0" baseline="0" noProof="1" dirty="0">
                 <a:solidFill>
@@ -4443,7 +4443,7 @@
         <a:spcAft>
           <a:spcPts val="1000"/>
         </a:spcAft>
-        <a:buFont typeface="Arial" panose="020B0604020202020204" pitchFamily="34" charset="0"/>
+        <a:buFont typeface="Arial" panose="02080604020202020204" pitchFamily="34" charset="0"/>
         <a:buChar char="•"/>
         <a:defRPr sz="1600" u="none" strike="noStrike" kern="1200" cap="none" spc="150" normalizeH="0" baseline="0">
           <a:solidFill>
@@ -4465,7 +4465,7 @@
         <a:spcAft>
           <a:spcPts val="1000"/>
         </a:spcAft>
-        <a:buFont typeface="Arial" panose="020B0604020202020204" pitchFamily="34" charset="0"/>
+        <a:buFont typeface="Arial" panose="02080604020202020204" pitchFamily="34" charset="0"/>
         <a:buChar char="•"/>
         <a:tabLst>
           <a:tab pos="1609725" algn="l"/>
@@ -4490,7 +4490,7 @@
         <a:spcAft>
           <a:spcPts val="1000"/>
         </a:spcAft>
-        <a:buFont typeface="Arial" panose="020B0604020202020204" pitchFamily="34" charset="0"/>
+        <a:buFont typeface="Arial" panose="02080604020202020204" pitchFamily="34" charset="0"/>
         <a:buChar char="•"/>
         <a:defRPr sz="1600" u="none" strike="noStrike" kern="1200" cap="none" spc="150" normalizeH="0" baseline="0">
           <a:solidFill>
@@ -4512,7 +4512,7 @@
         <a:spcAft>
           <a:spcPts val="1000"/>
         </a:spcAft>
-        <a:buFont typeface="Arial" panose="020B0604020202020204" pitchFamily="34" charset="0"/>
+        <a:buFont typeface="Arial" panose="02080604020202020204" pitchFamily="34" charset="0"/>
         <a:buChar char="•"/>
         <a:defRPr sz="1600" u="none" strike="noStrike" kern="1200" cap="none" spc="150" normalizeH="0" baseline="0">
           <a:solidFill>
@@ -4534,7 +4534,7 @@
         <a:spcAft>
           <a:spcPts val="1000"/>
         </a:spcAft>
-        <a:buFont typeface="Arial" panose="020B0604020202020204" pitchFamily="34" charset="0"/>
+        <a:buFont typeface="Arial" panose="02080604020202020204" pitchFamily="34" charset="0"/>
         <a:buChar char="•"/>
         <a:defRPr sz="1600" u="none" strike="noStrike" kern="1200" cap="none" spc="150" normalizeH="0" baseline="0">
           <a:solidFill>
@@ -4553,7 +4553,7 @@
         <a:spcBef>
           <a:spcPts val="500"/>
         </a:spcBef>
-        <a:buFont typeface="Arial" panose="020B0604020202020204" pitchFamily="34" charset="0"/>
+        <a:buFont typeface="Arial" panose="02080604020202020204" pitchFamily="34" charset="0"/>
         <a:buChar char="•"/>
         <a:defRPr sz="1800" kern="1200">
           <a:solidFill>
@@ -4571,7 +4571,7 @@
         <a:spcBef>
           <a:spcPts val="500"/>
         </a:spcBef>
-        <a:buFont typeface="Arial" panose="020B0604020202020204" pitchFamily="34" charset="0"/>
+        <a:buFont typeface="Arial" panose="02080604020202020204" pitchFamily="34" charset="0"/>
         <a:buChar char="•"/>
         <a:defRPr sz="1800" kern="1200">
           <a:solidFill>
@@ -4589,7 +4589,7 @@
         <a:spcBef>
           <a:spcPts val="500"/>
         </a:spcBef>
-        <a:buFont typeface="Arial" panose="020B0604020202020204" pitchFamily="34" charset="0"/>
+        <a:buFont typeface="Arial" panose="02080604020202020204" pitchFamily="34" charset="0"/>
         <a:buChar char="•"/>
         <a:defRPr sz="1800" kern="1200">
           <a:solidFill>
@@ -4607,7 +4607,7 @@
         <a:spcBef>
           <a:spcPts val="500"/>
         </a:spcBef>
-        <a:buFont typeface="Arial" panose="020B0604020202020204" pitchFamily="34" charset="0"/>
+        <a:buFont typeface="Arial" panose="02080604020202020204" pitchFamily="34" charset="0"/>
         <a:buChar char="•"/>
         <a:defRPr sz="1800" kern="1200">
           <a:solidFill>
@@ -6010,13 +6010,7 @@
               <a:rPr lang="zh-CN" altLang="en-US" sz="2400">
                 <a:sym typeface="+mn-ea"/>
               </a:rPr>
-              <a:t>朋友圈、微博、空间全部可见，你想看什么看什么</a:t>
-            </a:r>
-            <a:r>
-              <a:rPr lang="zh-CN" altLang="en-US" sz="2400">
-                <a:sym typeface="+mn-ea"/>
-              </a:rPr>
-              <a:t>。</a:t>
+              <a:t>朋友圈、微博、空间全部可见，你想看什么看什么。</a:t>
             </a:r>
             <a:endParaRPr lang="zh-CN" altLang="en-US" sz="2400">
               <a:sym typeface="+mn-ea"/>
@@ -6673,11 +6667,7 @@
             </a:r>
             <a:r>
               <a:rPr lang="zh-CN" altLang="en-US" sz="2400"/>
-              <a:t>自己</a:t>
-            </a:r>
-            <a:r>
-              <a:rPr lang="zh-CN" altLang="en-US" sz="2400"/>
-              <a:t>去获取女神动态不及时啊，还是写个观察者模式让女神主动通知我吧，她一定会感动的</a:t>
+              <a:t>自己去获取女神动态不及时啊，还是写个观察者模式让女神主动通知我吧，她一定会感动的</a:t>
             </a:r>
             <a:r>
               <a:rPr lang="en-US" altLang="zh-CN" sz="2400"/>
@@ -7620,7 +7610,7 @@
           <a:p>
             <a:r>
               <a:rPr lang="zh-CN" altLang="en-US" sz="2400"/>
-              <a:t>为了解决上述问题，我们就可以用处观察者模式</a:t>
+              <a:t>为了解决上述问题，我们就可以用到观察者模式</a:t>
             </a:r>
             <a:endParaRPr lang="zh-CN" altLang="en-US" sz="2400"/>
           </a:p>
